--- a/ppt/1_arquitectura.pptx
+++ b/ppt/1_arquitectura.pptx
@@ -3208,7 +3208,7 @@
           <a:p>
             <a:fld id="{D765D96A-7494-A545-8B83-FC0E0024208C}" type="datetimeFigureOut">
               <a:rPr lang="es-ES" smtClean="0"/>
-              <a:t>29/3/25</a:t>
+              <a:t>1/4/25</a:t>
             </a:fld>
             <a:endParaRPr lang="es-ES"/>
           </a:p>
@@ -5218,7 +5218,7 @@
           <a:p>
             <a:fld id="{85118446-D537-5148-A73C-4C05FD0FEB46}" type="datetimeFigureOut">
               <a:rPr lang="es-ES" smtClean="0"/>
-              <a:t>29/3/25</a:t>
+              <a:t>1/4/25</a:t>
             </a:fld>
             <a:endParaRPr lang="es-ES"/>
           </a:p>
@@ -5416,7 +5416,7 @@
           <a:p>
             <a:fld id="{85118446-D537-5148-A73C-4C05FD0FEB46}" type="datetimeFigureOut">
               <a:rPr lang="es-ES" smtClean="0"/>
-              <a:t>29/3/25</a:t>
+              <a:t>1/4/25</a:t>
             </a:fld>
             <a:endParaRPr lang="es-ES"/>
           </a:p>
@@ -5624,7 +5624,7 @@
           <a:p>
             <a:fld id="{85118446-D537-5148-A73C-4C05FD0FEB46}" type="datetimeFigureOut">
               <a:rPr lang="es-ES" smtClean="0"/>
-              <a:t>29/3/25</a:t>
+              <a:t>1/4/25</a:t>
             </a:fld>
             <a:endParaRPr lang="es-ES"/>
           </a:p>
@@ -5822,7 +5822,7 @@
           <a:p>
             <a:fld id="{85118446-D537-5148-A73C-4C05FD0FEB46}" type="datetimeFigureOut">
               <a:rPr lang="es-ES" smtClean="0"/>
-              <a:t>29/3/25</a:t>
+              <a:t>1/4/25</a:t>
             </a:fld>
             <a:endParaRPr lang="es-ES"/>
           </a:p>
@@ -6097,7 +6097,7 @@
           <a:p>
             <a:fld id="{85118446-D537-5148-A73C-4C05FD0FEB46}" type="datetimeFigureOut">
               <a:rPr lang="es-ES" smtClean="0"/>
-              <a:t>29/3/25</a:t>
+              <a:t>1/4/25</a:t>
             </a:fld>
             <a:endParaRPr lang="es-ES"/>
           </a:p>
@@ -6362,7 +6362,7 @@
           <a:p>
             <a:fld id="{85118446-D537-5148-A73C-4C05FD0FEB46}" type="datetimeFigureOut">
               <a:rPr lang="es-ES" smtClean="0"/>
-              <a:t>29/3/25</a:t>
+              <a:t>1/4/25</a:t>
             </a:fld>
             <a:endParaRPr lang="es-ES"/>
           </a:p>
@@ -6774,7 +6774,7 @@
           <a:p>
             <a:fld id="{85118446-D537-5148-A73C-4C05FD0FEB46}" type="datetimeFigureOut">
               <a:rPr lang="es-ES" smtClean="0"/>
-              <a:t>29/3/25</a:t>
+              <a:t>1/4/25</a:t>
             </a:fld>
             <a:endParaRPr lang="es-ES"/>
           </a:p>
@@ -6915,7 +6915,7 @@
           <a:p>
             <a:fld id="{85118446-D537-5148-A73C-4C05FD0FEB46}" type="datetimeFigureOut">
               <a:rPr lang="es-ES" smtClean="0"/>
-              <a:t>29/3/25</a:t>
+              <a:t>1/4/25</a:t>
             </a:fld>
             <a:endParaRPr lang="es-ES"/>
           </a:p>
@@ -7028,7 +7028,7 @@
           <a:p>
             <a:fld id="{85118446-D537-5148-A73C-4C05FD0FEB46}" type="datetimeFigureOut">
               <a:rPr lang="es-ES" smtClean="0"/>
-              <a:t>29/3/25</a:t>
+              <a:t>1/4/25</a:t>
             </a:fld>
             <a:endParaRPr lang="es-ES"/>
           </a:p>
@@ -7339,7 +7339,7 @@
           <a:p>
             <a:fld id="{85118446-D537-5148-A73C-4C05FD0FEB46}" type="datetimeFigureOut">
               <a:rPr lang="es-ES" smtClean="0"/>
-              <a:t>29/3/25</a:t>
+              <a:t>1/4/25</a:t>
             </a:fld>
             <a:endParaRPr lang="es-ES"/>
           </a:p>
@@ -7627,7 +7627,7 @@
           <a:p>
             <a:fld id="{85118446-D537-5148-A73C-4C05FD0FEB46}" type="datetimeFigureOut">
               <a:rPr lang="es-ES" smtClean="0"/>
-              <a:t>29/3/25</a:t>
+              <a:t>1/4/25</a:t>
             </a:fld>
             <a:endParaRPr lang="es-ES"/>
           </a:p>
@@ -7868,7 +7868,7 @@
           <a:p>
             <a:fld id="{85118446-D537-5148-A73C-4C05FD0FEB46}" type="datetimeFigureOut">
               <a:rPr lang="es-ES" smtClean="0"/>
-              <a:t>29/3/25</a:t>
+              <a:t>1/4/25</a:t>
             </a:fld>
             <a:endParaRPr lang="es-ES"/>
           </a:p>
@@ -16846,7 +16846,7 @@
               <a:buChar char="•"/>
             </a:pPr>
             <a:r>
-              <a:rPr lang="es-ES" sz="3200">
+              <a:rPr lang="es-ES" sz="3200" dirty="0">
                 <a:latin typeface="Calibri" panose="020F0502020204030204" pitchFamily="34" charset="0"/>
                 <a:cs typeface="Calibri" panose="020F0502020204030204" pitchFamily="34" charset="0"/>
               </a:rPr>
@@ -16859,7 +16859,7 @@
               <a:buChar char="•"/>
             </a:pPr>
             <a:r>
-              <a:rPr lang="es-ES" sz="3200">
+              <a:rPr lang="es-ES" sz="3200" dirty="0">
                 <a:latin typeface="Calibri" panose="020F0502020204030204" pitchFamily="34" charset="0"/>
                 <a:cs typeface="Calibri" panose="020F0502020204030204" pitchFamily="34" charset="0"/>
               </a:rPr>
@@ -16872,42 +16872,15 @@
               <a:buChar char="•"/>
             </a:pPr>
             <a:r>
-              <a:rPr lang="es-ES" sz="3200">
+              <a:rPr lang="es-ES" sz="3200" dirty="0">
                 <a:effectLst/>
                 <a:latin typeface="Calibri" panose="020F0502020204030204" pitchFamily="34" charset="0"/>
                 <a:ea typeface="Calibri" panose="020F0502020204030204" pitchFamily="34" charset="0"/>
                 <a:cs typeface="Calibri" panose="020F0502020204030204" pitchFamily="34" charset="0"/>
               </a:rPr>
-              <a:t>Se ejecuta de forma nativa en los sistemas </a:t>
-            </a:r>
-            <a:r>
-              <a:rPr lang="es-ES" sz="3200" u="sng">
-                <a:effectLst/>
-                <a:latin typeface="Calibri" panose="020F0502020204030204" pitchFamily="34" charset="0"/>
-                <a:ea typeface="Calibri" panose="020F0502020204030204" pitchFamily="34" charset="0"/>
-                <a:cs typeface="Calibri" panose="020F0502020204030204" pitchFamily="34" charset="0"/>
-              </a:rPr>
-              <a:t>Linux</a:t>
-            </a:r>
-            <a:r>
-              <a:rPr lang="es-ES" sz="3200">
-                <a:effectLst/>
-                <a:latin typeface="Calibri" panose="020F0502020204030204" pitchFamily="34" charset="0"/>
-                <a:ea typeface="Calibri" panose="020F0502020204030204" pitchFamily="34" charset="0"/>
-                <a:cs typeface="Calibri" panose="020F0502020204030204" pitchFamily="34" charset="0"/>
-              </a:rPr>
-              <a:t> y </a:t>
-            </a:r>
-            <a:r>
-              <a:rPr lang="es-ES" sz="3200" u="sng">
-                <a:effectLst/>
-                <a:latin typeface="Calibri" panose="020F0502020204030204" pitchFamily="34" charset="0"/>
-                <a:ea typeface="Calibri" panose="020F0502020204030204" pitchFamily="34" charset="0"/>
-                <a:cs typeface="Calibri" panose="020F0502020204030204" pitchFamily="34" charset="0"/>
-              </a:rPr>
-              <a:t>Windows Server*.</a:t>
-            </a:r>
-            <a:endParaRPr lang="es-ES" sz="3200">
+              <a:t>Se ejecuta de forma nativa en los sistemas GNU/Linux y Windows Server*.</a:t>
+            </a:r>
+            <a:endParaRPr lang="es-ES" sz="3200" dirty="0">
               <a:latin typeface="Calibri" panose="020F0502020204030204" pitchFamily="34" charset="0"/>
               <a:ea typeface="Calibri" panose="020F0502020204030204" pitchFamily="34" charset="0"/>
               <a:cs typeface="Calibri" panose="020F0502020204030204" pitchFamily="34" charset="0"/>
@@ -16919,13 +16892,13 @@
               <a:buChar char="•"/>
             </a:pPr>
             <a:r>
-              <a:rPr lang="es-ES" sz="3200">
+              <a:rPr lang="es-ES" sz="3200" dirty="0">
                 <a:effectLst/>
                 <a:latin typeface="Calibri" panose="020F0502020204030204" pitchFamily="34" charset="0"/>
                 <a:ea typeface="Calibri" panose="020F0502020204030204" pitchFamily="34" charset="0"/>
                 <a:cs typeface="Calibri" panose="020F0502020204030204" pitchFamily="34" charset="0"/>
               </a:rPr>
-              <a:t>En el resto de los sistemas operativos se ejecuta sobre una máquina virtual Linux. </a:t>
+              <a:t>En el resto de los sistemas operativos se ejecuta sobre una máquina virtual GNU/Linux. </a:t>
             </a:r>
           </a:p>
         </p:txBody>
@@ -16986,6 +16959,232 @@
   <p:clrMapOvr>
     <a:masterClrMapping/>
   </p:clrMapOvr>
+  <p:timing>
+    <p:tnLst>
+      <p:par>
+        <p:cTn id="1" dur="indefinite" restart="never" nodeType="tmRoot">
+          <p:childTnLst>
+            <p:seq concurrent="1" nextAc="seek">
+              <p:cTn id="2" dur="indefinite" nodeType="mainSeq">
+                <p:childTnLst>
+                  <p:par>
+                    <p:cTn id="3" fill="hold">
+                      <p:stCondLst>
+                        <p:cond delay="indefinite"/>
+                      </p:stCondLst>
+                      <p:childTnLst>
+                        <p:par>
+                          <p:cTn id="4" fill="hold">
+                            <p:stCondLst>
+                              <p:cond delay="0"/>
+                            </p:stCondLst>
+                            <p:childTnLst>
+                              <p:par>
+                                <p:cTn id="5" presetID="1" presetClass="entr" presetSubtype="0" fill="hold" nodeType="clickEffect">
+                                  <p:stCondLst>
+                                    <p:cond delay="0"/>
+                                  </p:stCondLst>
+                                  <p:childTnLst>
+                                    <p:set>
+                                      <p:cBhvr>
+                                        <p:cTn id="6" dur="1" fill="hold">
+                                          <p:stCondLst>
+                                            <p:cond delay="0"/>
+                                          </p:stCondLst>
+                                        </p:cTn>
+                                        <p:tgtEl>
+                                          <p:spTgt spid="3">
+                                            <p:txEl>
+                                              <p:pRg st="0" end="0"/>
+                                            </p:txEl>
+                                          </p:spTgt>
+                                        </p:tgtEl>
+                                        <p:attrNameLst>
+                                          <p:attrName>style.visibility</p:attrName>
+                                        </p:attrNameLst>
+                                      </p:cBhvr>
+                                      <p:to>
+                                        <p:strVal val="visible"/>
+                                      </p:to>
+                                    </p:set>
+                                  </p:childTnLst>
+                                </p:cTn>
+                              </p:par>
+                            </p:childTnLst>
+                          </p:cTn>
+                        </p:par>
+                      </p:childTnLst>
+                    </p:cTn>
+                  </p:par>
+                  <p:par>
+                    <p:cTn id="7" fill="hold">
+                      <p:stCondLst>
+                        <p:cond delay="indefinite"/>
+                      </p:stCondLst>
+                      <p:childTnLst>
+                        <p:par>
+                          <p:cTn id="8" fill="hold">
+                            <p:stCondLst>
+                              <p:cond delay="0"/>
+                            </p:stCondLst>
+                            <p:childTnLst>
+                              <p:par>
+                                <p:cTn id="9" presetID="1" presetClass="entr" presetSubtype="0" fill="hold" nodeType="clickEffect">
+                                  <p:stCondLst>
+                                    <p:cond delay="0"/>
+                                  </p:stCondLst>
+                                  <p:childTnLst>
+                                    <p:set>
+                                      <p:cBhvr>
+                                        <p:cTn id="10" dur="1" fill="hold">
+                                          <p:stCondLst>
+                                            <p:cond delay="0"/>
+                                          </p:stCondLst>
+                                        </p:cTn>
+                                        <p:tgtEl>
+                                          <p:spTgt spid="3">
+                                            <p:txEl>
+                                              <p:pRg st="1" end="1"/>
+                                            </p:txEl>
+                                          </p:spTgt>
+                                        </p:tgtEl>
+                                        <p:attrNameLst>
+                                          <p:attrName>style.visibility</p:attrName>
+                                        </p:attrNameLst>
+                                      </p:cBhvr>
+                                      <p:to>
+                                        <p:strVal val="visible"/>
+                                      </p:to>
+                                    </p:set>
+                                  </p:childTnLst>
+                                </p:cTn>
+                              </p:par>
+                            </p:childTnLst>
+                          </p:cTn>
+                        </p:par>
+                      </p:childTnLst>
+                    </p:cTn>
+                  </p:par>
+                  <p:par>
+                    <p:cTn id="11" fill="hold">
+                      <p:stCondLst>
+                        <p:cond delay="indefinite"/>
+                      </p:stCondLst>
+                      <p:childTnLst>
+                        <p:par>
+                          <p:cTn id="12" fill="hold">
+                            <p:stCondLst>
+                              <p:cond delay="0"/>
+                            </p:stCondLst>
+                            <p:childTnLst>
+                              <p:par>
+                                <p:cTn id="13" presetID="1" presetClass="entr" presetSubtype="0" fill="hold" nodeType="clickEffect">
+                                  <p:stCondLst>
+                                    <p:cond delay="0"/>
+                                  </p:stCondLst>
+                                  <p:childTnLst>
+                                    <p:set>
+                                      <p:cBhvr>
+                                        <p:cTn id="14" dur="1" fill="hold">
+                                          <p:stCondLst>
+                                            <p:cond delay="0"/>
+                                          </p:stCondLst>
+                                        </p:cTn>
+                                        <p:tgtEl>
+                                          <p:spTgt spid="3">
+                                            <p:txEl>
+                                              <p:pRg st="2" end="2"/>
+                                            </p:txEl>
+                                          </p:spTgt>
+                                        </p:tgtEl>
+                                        <p:attrNameLst>
+                                          <p:attrName>style.visibility</p:attrName>
+                                        </p:attrNameLst>
+                                      </p:cBhvr>
+                                      <p:to>
+                                        <p:strVal val="visible"/>
+                                      </p:to>
+                                    </p:set>
+                                  </p:childTnLst>
+                                </p:cTn>
+                              </p:par>
+                            </p:childTnLst>
+                          </p:cTn>
+                        </p:par>
+                      </p:childTnLst>
+                    </p:cTn>
+                  </p:par>
+                  <p:par>
+                    <p:cTn id="15" fill="hold">
+                      <p:stCondLst>
+                        <p:cond delay="indefinite"/>
+                      </p:stCondLst>
+                      <p:childTnLst>
+                        <p:par>
+                          <p:cTn id="16" fill="hold">
+                            <p:stCondLst>
+                              <p:cond delay="0"/>
+                            </p:stCondLst>
+                            <p:childTnLst>
+                              <p:par>
+                                <p:cTn id="17" presetID="1" presetClass="entr" presetSubtype="0" fill="hold" nodeType="clickEffect">
+                                  <p:stCondLst>
+                                    <p:cond delay="0"/>
+                                  </p:stCondLst>
+                                  <p:childTnLst>
+                                    <p:set>
+                                      <p:cBhvr>
+                                        <p:cTn id="18" dur="1" fill="hold">
+                                          <p:stCondLst>
+                                            <p:cond delay="0"/>
+                                          </p:stCondLst>
+                                        </p:cTn>
+                                        <p:tgtEl>
+                                          <p:spTgt spid="3">
+                                            <p:txEl>
+                                              <p:pRg st="3" end="3"/>
+                                            </p:txEl>
+                                          </p:spTgt>
+                                        </p:tgtEl>
+                                        <p:attrNameLst>
+                                          <p:attrName>style.visibility</p:attrName>
+                                        </p:attrNameLst>
+                                      </p:cBhvr>
+                                      <p:to>
+                                        <p:strVal val="visible"/>
+                                      </p:to>
+                                    </p:set>
+                                  </p:childTnLst>
+                                </p:cTn>
+                              </p:par>
+                            </p:childTnLst>
+                          </p:cTn>
+                        </p:par>
+                      </p:childTnLst>
+                    </p:cTn>
+                  </p:par>
+                </p:childTnLst>
+              </p:cTn>
+              <p:prevCondLst>
+                <p:cond evt="onPrev" delay="0">
+                  <p:tgtEl>
+                    <p:sldTgt/>
+                  </p:tgtEl>
+                </p:cond>
+              </p:prevCondLst>
+              <p:nextCondLst>
+                <p:cond evt="onNext" delay="0">
+                  <p:tgtEl>
+                    <p:sldTgt/>
+                  </p:tgtEl>
+                </p:cond>
+              </p:nextCondLst>
+            </p:seq>
+          </p:childTnLst>
+        </p:cTn>
+      </p:par>
+    </p:tnLst>
+  </p:timing>
 </p:sld>
 </file>
 
@@ -17129,21 +17328,21 @@
               <a:buChar char="•"/>
             </a:pPr>
             <a:r>
-              <a:rPr lang="es-ES" sz="2800">
+              <a:rPr lang="es-ES" sz="2800" dirty="0">
                 <a:latin typeface="Calibri" panose="020F0502020204030204" pitchFamily="34" charset="0"/>
                 <a:cs typeface="Calibri" panose="020F0502020204030204" pitchFamily="34" charset="0"/>
               </a:rPr>
               <a:t>Expone </a:t>
             </a:r>
             <a:r>
-              <a:rPr lang="es-ES" sz="2800" err="1">
+              <a:rPr lang="es-ES" sz="2800" dirty="0" err="1">
                 <a:latin typeface="Calibri" panose="020F0502020204030204" pitchFamily="34" charset="0"/>
                 <a:cs typeface="Calibri" panose="020F0502020204030204" pitchFamily="34" charset="0"/>
               </a:rPr>
               <a:t>dockerd</a:t>
             </a:r>
             <a:r>
-              <a:rPr lang="es-ES" sz="2800">
+              <a:rPr lang="es-ES" sz="2800" dirty="0">
                 <a:latin typeface="Calibri" panose="020F0502020204030204" pitchFamily="34" charset="0"/>
                 <a:cs typeface="Calibri" panose="020F0502020204030204" pitchFamily="34" charset="0"/>
               </a:rPr>
@@ -17156,7 +17355,7 @@
               <a:buChar char="•"/>
             </a:pPr>
             <a:r>
-              <a:rPr lang="es-ES" sz="2800">
+              <a:rPr lang="es-ES" sz="2800" dirty="0">
                 <a:latin typeface="Calibri" panose="020F0502020204030204" pitchFamily="34" charset="0"/>
                 <a:cs typeface="Calibri" panose="020F0502020204030204" pitchFamily="34" charset="0"/>
               </a:rPr>
@@ -17527,6 +17726,266 @@
   <p:clrMapOvr>
     <a:masterClrMapping/>
   </p:clrMapOvr>
+  <p:timing>
+    <p:tnLst>
+      <p:par>
+        <p:cTn id="1" dur="indefinite" restart="never" nodeType="tmRoot">
+          <p:childTnLst>
+            <p:seq concurrent="1" nextAc="seek">
+              <p:cTn id="2" dur="indefinite" nodeType="mainSeq">
+                <p:childTnLst>
+                  <p:par>
+                    <p:cTn id="3" fill="hold">
+                      <p:stCondLst>
+                        <p:cond delay="indefinite"/>
+                      </p:stCondLst>
+                      <p:childTnLst>
+                        <p:par>
+                          <p:cTn id="4" fill="hold">
+                            <p:stCondLst>
+                              <p:cond delay="0"/>
+                            </p:stCondLst>
+                            <p:childTnLst>
+                              <p:par>
+                                <p:cTn id="5" presetID="1" presetClass="entr" presetSubtype="0" fill="hold" nodeType="clickEffect">
+                                  <p:stCondLst>
+                                    <p:cond delay="0"/>
+                                  </p:stCondLst>
+                                  <p:childTnLst>
+                                    <p:set>
+                                      <p:cBhvr>
+                                        <p:cTn id="6" dur="1" fill="hold">
+                                          <p:stCondLst>
+                                            <p:cond delay="0"/>
+                                          </p:stCondLst>
+                                        </p:cTn>
+                                        <p:tgtEl>
+                                          <p:spTgt spid="3">
+                                            <p:txEl>
+                                              <p:pRg st="0" end="0"/>
+                                            </p:txEl>
+                                          </p:spTgt>
+                                        </p:tgtEl>
+                                        <p:attrNameLst>
+                                          <p:attrName>style.visibility</p:attrName>
+                                        </p:attrNameLst>
+                                      </p:cBhvr>
+                                      <p:to>
+                                        <p:strVal val="visible"/>
+                                      </p:to>
+                                    </p:set>
+                                  </p:childTnLst>
+                                </p:cTn>
+                              </p:par>
+                            </p:childTnLst>
+                          </p:cTn>
+                        </p:par>
+                      </p:childTnLst>
+                    </p:cTn>
+                  </p:par>
+                  <p:par>
+                    <p:cTn id="7" fill="hold">
+                      <p:stCondLst>
+                        <p:cond delay="indefinite"/>
+                      </p:stCondLst>
+                      <p:childTnLst>
+                        <p:par>
+                          <p:cTn id="8" fill="hold">
+                            <p:stCondLst>
+                              <p:cond delay="0"/>
+                            </p:stCondLst>
+                            <p:childTnLst>
+                              <p:par>
+                                <p:cTn id="9" presetID="1" presetClass="entr" presetSubtype="0" fill="hold" nodeType="clickEffect">
+                                  <p:stCondLst>
+                                    <p:cond delay="0"/>
+                                  </p:stCondLst>
+                                  <p:childTnLst>
+                                    <p:set>
+                                      <p:cBhvr>
+                                        <p:cTn id="10" dur="1" fill="hold">
+                                          <p:stCondLst>
+                                            <p:cond delay="0"/>
+                                          </p:stCondLst>
+                                        </p:cTn>
+                                        <p:tgtEl>
+                                          <p:spTgt spid="3">
+                                            <p:txEl>
+                                              <p:pRg st="1" end="1"/>
+                                            </p:txEl>
+                                          </p:spTgt>
+                                        </p:tgtEl>
+                                        <p:attrNameLst>
+                                          <p:attrName>style.visibility</p:attrName>
+                                        </p:attrNameLst>
+                                      </p:cBhvr>
+                                      <p:to>
+                                        <p:strVal val="visible"/>
+                                      </p:to>
+                                    </p:set>
+                                  </p:childTnLst>
+                                </p:cTn>
+                              </p:par>
+                            </p:childTnLst>
+                          </p:cTn>
+                        </p:par>
+                      </p:childTnLst>
+                    </p:cTn>
+                  </p:par>
+                  <p:par>
+                    <p:cTn id="11" fill="hold">
+                      <p:stCondLst>
+                        <p:cond delay="indefinite"/>
+                      </p:stCondLst>
+                      <p:childTnLst>
+                        <p:par>
+                          <p:cTn id="12" fill="hold">
+                            <p:stCondLst>
+                              <p:cond delay="0"/>
+                            </p:stCondLst>
+                            <p:childTnLst>
+                              <p:par>
+                                <p:cTn id="13" presetID="1" presetClass="entr" presetSubtype="0" fill="hold" grpId="0" nodeType="clickEffect">
+                                  <p:stCondLst>
+                                    <p:cond delay="0"/>
+                                  </p:stCondLst>
+                                  <p:childTnLst>
+                                    <p:set>
+                                      <p:cBhvr>
+                                        <p:cTn id="14" dur="1" fill="hold">
+                                          <p:stCondLst>
+                                            <p:cond delay="0"/>
+                                          </p:stCondLst>
+                                        </p:cTn>
+                                        <p:tgtEl>
+                                          <p:spTgt spid="15"/>
+                                        </p:tgtEl>
+                                        <p:attrNameLst>
+                                          <p:attrName>style.visibility</p:attrName>
+                                        </p:attrNameLst>
+                                      </p:cBhvr>
+                                      <p:to>
+                                        <p:strVal val="visible"/>
+                                      </p:to>
+                                    </p:set>
+                                  </p:childTnLst>
+                                </p:cTn>
+                              </p:par>
+                              <p:par>
+                                <p:cTn id="15" presetID="1" presetClass="entr" presetSubtype="0" fill="hold" grpId="0" nodeType="withEffect">
+                                  <p:stCondLst>
+                                    <p:cond delay="0"/>
+                                  </p:stCondLst>
+                                  <p:childTnLst>
+                                    <p:set>
+                                      <p:cBhvr>
+                                        <p:cTn id="16" dur="1" fill="hold">
+                                          <p:stCondLst>
+                                            <p:cond delay="0"/>
+                                          </p:stCondLst>
+                                        </p:cTn>
+                                        <p:tgtEl>
+                                          <p:spTgt spid="10"/>
+                                        </p:tgtEl>
+                                        <p:attrNameLst>
+                                          <p:attrName>style.visibility</p:attrName>
+                                        </p:attrNameLst>
+                                      </p:cBhvr>
+                                      <p:to>
+                                        <p:strVal val="visible"/>
+                                      </p:to>
+                                    </p:set>
+                                  </p:childTnLst>
+                                </p:cTn>
+                              </p:par>
+                              <p:par>
+                                <p:cTn id="17" presetID="1" presetClass="entr" presetSubtype="0" fill="hold" grpId="0" nodeType="withEffect">
+                                  <p:stCondLst>
+                                    <p:cond delay="0"/>
+                                  </p:stCondLst>
+                                  <p:childTnLst>
+                                    <p:set>
+                                      <p:cBhvr>
+                                        <p:cTn id="18" dur="1" fill="hold">
+                                          <p:stCondLst>
+                                            <p:cond delay="0"/>
+                                          </p:stCondLst>
+                                        </p:cTn>
+                                        <p:tgtEl>
+                                          <p:spTgt spid="11"/>
+                                        </p:tgtEl>
+                                        <p:attrNameLst>
+                                          <p:attrName>style.visibility</p:attrName>
+                                        </p:attrNameLst>
+                                      </p:cBhvr>
+                                      <p:to>
+                                        <p:strVal val="visible"/>
+                                      </p:to>
+                                    </p:set>
+                                  </p:childTnLst>
+                                </p:cTn>
+                              </p:par>
+                              <p:par>
+                                <p:cTn id="19" presetID="1" presetClass="entr" presetSubtype="0" fill="hold" grpId="0" nodeType="withEffect">
+                                  <p:stCondLst>
+                                    <p:cond delay="0"/>
+                                  </p:stCondLst>
+                                  <p:childTnLst>
+                                    <p:set>
+                                      <p:cBhvr>
+                                        <p:cTn id="20" dur="1" fill="hold">
+                                          <p:stCondLst>
+                                            <p:cond delay="0"/>
+                                          </p:stCondLst>
+                                        </p:cTn>
+                                        <p:tgtEl>
+                                          <p:spTgt spid="12"/>
+                                        </p:tgtEl>
+                                        <p:attrNameLst>
+                                          <p:attrName>style.visibility</p:attrName>
+                                        </p:attrNameLst>
+                                      </p:cBhvr>
+                                      <p:to>
+                                        <p:strVal val="visible"/>
+                                      </p:to>
+                                    </p:set>
+                                  </p:childTnLst>
+                                </p:cTn>
+                              </p:par>
+                            </p:childTnLst>
+                          </p:cTn>
+                        </p:par>
+                      </p:childTnLst>
+                    </p:cTn>
+                  </p:par>
+                </p:childTnLst>
+              </p:cTn>
+              <p:prevCondLst>
+                <p:cond evt="onPrev" delay="0">
+                  <p:tgtEl>
+                    <p:sldTgt/>
+                  </p:tgtEl>
+                </p:cond>
+              </p:prevCondLst>
+              <p:nextCondLst>
+                <p:cond evt="onNext" delay="0">
+                  <p:tgtEl>
+                    <p:sldTgt/>
+                  </p:tgtEl>
+                </p:cond>
+              </p:nextCondLst>
+            </p:seq>
+          </p:childTnLst>
+        </p:cTn>
+      </p:par>
+    </p:tnLst>
+    <p:bldLst>
+      <p:bldP spid="15" grpId="0" animBg="1"/>
+      <p:bldP spid="10" grpId="0"/>
+      <p:bldP spid="11" grpId="0" animBg="1"/>
+      <p:bldP spid="12" grpId="0"/>
+    </p:bldLst>
+  </p:timing>
 </p:sld>
 </file>
 
@@ -17621,7 +18080,7 @@
               <a:buChar char="•"/>
             </a:pPr>
             <a:r>
-              <a:rPr lang="es-ES" sz="2800">
+              <a:rPr lang="es-ES" sz="2800" dirty="0">
                 <a:latin typeface="Calibri" panose="020F0502020204030204" pitchFamily="34" charset="0"/>
                 <a:ea typeface="Calibri" panose="020F0502020204030204" pitchFamily="34" charset="0"/>
                 <a:cs typeface="Calibri" panose="020F0502020204030204" pitchFamily="34" charset="0"/>
@@ -17629,7 +18088,7 @@
               <a:t>Crea </a:t>
             </a:r>
             <a:r>
-              <a:rPr lang="es-ES" sz="2800">
+              <a:rPr lang="es-ES" sz="2800" dirty="0">
                 <a:effectLst/>
                 <a:latin typeface="Calibri" panose="020F0502020204030204" pitchFamily="34" charset="0"/>
                 <a:ea typeface="Calibri" panose="020F0502020204030204" pitchFamily="34" charset="0"/>
@@ -17644,7 +18103,7 @@
               <a:buChar char="•"/>
             </a:pPr>
             <a:r>
-              <a:rPr lang="es-ES" sz="2800">
+              <a:rPr lang="es-ES" sz="2800" dirty="0">
                 <a:effectLst/>
                 <a:latin typeface="Calibri" panose="020F0502020204030204" pitchFamily="34" charset="0"/>
                 <a:ea typeface="Calibri" panose="020F0502020204030204" pitchFamily="34" charset="0"/>
@@ -17653,7 +18112,7 @@
               <a:t>Servicio llamado </a:t>
             </a:r>
             <a:r>
-              <a:rPr lang="es-ES" sz="2800" err="1">
+              <a:rPr lang="es-ES" sz="2800" dirty="0" err="1">
                 <a:effectLst/>
                 <a:latin typeface="Calibri" panose="020F0502020204030204" pitchFamily="34" charset="0"/>
                 <a:ea typeface="Calibri" panose="020F0502020204030204" pitchFamily="34" charset="0"/>
@@ -17662,7 +18121,7 @@
               <a:t>dockerd</a:t>
             </a:r>
             <a:r>
-              <a:rPr lang="es-ES" sz="2800">
+              <a:rPr lang="es-ES" sz="2800" dirty="0">
                 <a:effectLst/>
                 <a:latin typeface="Calibri" panose="020F0502020204030204" pitchFamily="34" charset="0"/>
                 <a:ea typeface="Calibri" panose="020F0502020204030204" pitchFamily="34" charset="0"/>
@@ -17677,7 +18136,7 @@
               <a:buChar char="•"/>
             </a:pPr>
             <a:r>
-              <a:rPr lang="es-ES" sz="2800" err="1">
+              <a:rPr lang="es-ES" sz="2800" dirty="0" err="1">
                 <a:latin typeface="Calibri" panose="020F0502020204030204" pitchFamily="34" charset="0"/>
                 <a:ea typeface="Calibri" panose="020F0502020204030204" pitchFamily="34" charset="0"/>
                 <a:cs typeface="Calibri" panose="020F0502020204030204" pitchFamily="34" charset="0"/>
@@ -17685,7 +18144,7 @@
               <a:t>dockerd</a:t>
             </a:r>
             <a:r>
-              <a:rPr lang="es-ES" sz="2800">
+              <a:rPr lang="es-ES" sz="2800" dirty="0">
                 <a:latin typeface="Calibri" panose="020F0502020204030204" pitchFamily="34" charset="0"/>
                 <a:ea typeface="Calibri" panose="020F0502020204030204" pitchFamily="34" charset="0"/>
                 <a:cs typeface="Calibri" panose="020F0502020204030204" pitchFamily="34" charset="0"/>
@@ -17699,7 +18158,7 @@
               <a:buChar char="•"/>
             </a:pPr>
             <a:r>
-              <a:rPr lang="es-ES" sz="2800">
+              <a:rPr lang="es-ES" sz="2800" dirty="0">
                 <a:effectLst/>
                 <a:latin typeface="Calibri" panose="020F0502020204030204" pitchFamily="34" charset="0"/>
                 <a:ea typeface="Calibri" panose="020F0502020204030204" pitchFamily="34" charset="0"/>
@@ -17708,7 +18167,7 @@
               <a:t>Sockets</a:t>
             </a:r>
             <a:br>
-              <a:rPr lang="es-ES" sz="2800">
+              <a:rPr lang="es-ES" sz="2800" dirty="0">
                 <a:effectLst/>
                 <a:latin typeface="Calibri" panose="020F0502020204030204" pitchFamily="34" charset="0"/>
                 <a:ea typeface="Calibri" panose="020F0502020204030204" pitchFamily="34" charset="0"/>
@@ -17716,7 +18175,7 @@
               </a:rPr>
             </a:br>
             <a:r>
-              <a:rPr lang="es-ES" sz="2800">
+              <a:rPr lang="es-ES" sz="2800" dirty="0">
                 <a:effectLst/>
                 <a:latin typeface="Calibri" panose="020F0502020204030204" pitchFamily="34" charset="0"/>
                 <a:ea typeface="Calibri" panose="020F0502020204030204" pitchFamily="34" charset="0"/>
@@ -17725,7 +18184,7 @@
               <a:t>/</a:t>
             </a:r>
             <a:r>
-              <a:rPr lang="es-ES" sz="2800" err="1">
+              <a:rPr lang="es-ES" sz="2800" dirty="0" err="1">
                 <a:effectLst/>
                 <a:latin typeface="Calibri" panose="020F0502020204030204" pitchFamily="34" charset="0"/>
                 <a:ea typeface="Calibri" panose="020F0502020204030204" pitchFamily="34" charset="0"/>
@@ -17734,7 +18193,7 @@
               <a:t>var</a:t>
             </a:r>
             <a:r>
-              <a:rPr lang="es-ES" sz="2800">
+              <a:rPr lang="es-ES" sz="2800" dirty="0">
                 <a:effectLst/>
                 <a:latin typeface="Calibri" panose="020F0502020204030204" pitchFamily="34" charset="0"/>
                 <a:ea typeface="Calibri" panose="020F0502020204030204" pitchFamily="34" charset="0"/>
@@ -17743,7 +18202,7 @@
               <a:t>/run/</a:t>
             </a:r>
             <a:r>
-              <a:rPr lang="es-ES" sz="2800" err="1">
+              <a:rPr lang="es-ES" sz="2800" dirty="0" err="1">
                 <a:effectLst/>
                 <a:latin typeface="Calibri" panose="020F0502020204030204" pitchFamily="34" charset="0"/>
                 <a:ea typeface="Calibri" panose="020F0502020204030204" pitchFamily="34" charset="0"/>
@@ -17751,7 +18210,7 @@
               </a:rPr>
               <a:t>docker.sock</a:t>
             </a:r>
-            <a:endParaRPr lang="es-ES" sz="2800">
+            <a:endParaRPr lang="es-ES" sz="2800" dirty="0">
               <a:latin typeface="Calibri" panose="020F0502020204030204" pitchFamily="34" charset="0"/>
               <a:ea typeface="Calibri" panose="020F0502020204030204" pitchFamily="34" charset="0"/>
               <a:cs typeface="Calibri" panose="020F0502020204030204" pitchFamily="34" charset="0"/>
@@ -17763,7 +18222,7 @@
               <a:buChar char="•"/>
             </a:pPr>
             <a:r>
-              <a:rPr lang="es-ES" sz="2800">
+              <a:rPr lang="es-ES" sz="2800" dirty="0">
                 <a:latin typeface="Calibri" panose="020F0502020204030204" pitchFamily="34" charset="0"/>
                 <a:ea typeface="Calibri" panose="020F0502020204030204" pitchFamily="34" charset="0"/>
                 <a:cs typeface="Calibri" panose="020F0502020204030204" pitchFamily="34" charset="0"/>
@@ -17771,14 +18230,14 @@
               <a:t>TCP</a:t>
             </a:r>
             <a:br>
-              <a:rPr lang="es-ES" sz="2800">
+              <a:rPr lang="es-ES" sz="2800" dirty="0">
                 <a:latin typeface="Calibri" panose="020F0502020204030204" pitchFamily="34" charset="0"/>
                 <a:ea typeface="Calibri" panose="020F0502020204030204" pitchFamily="34" charset="0"/>
                 <a:cs typeface="Calibri" panose="020F0502020204030204" pitchFamily="34" charset="0"/>
               </a:rPr>
             </a:br>
             <a:r>
-              <a:rPr lang="es-ES" sz="2800" err="1">
+              <a:rPr lang="es-ES" sz="2800" dirty="0" err="1">
                 <a:effectLst/>
                 <a:latin typeface="Calibri" panose="020F0502020204030204" pitchFamily="34" charset="0"/>
                 <a:ea typeface="Calibri" panose="020F0502020204030204" pitchFamily="34" charset="0"/>
@@ -17787,7 +18246,7 @@
               <a:t>dockerd</a:t>
             </a:r>
             <a:r>
-              <a:rPr lang="es-ES" sz="2800">
+              <a:rPr lang="es-ES" sz="2800" dirty="0">
                 <a:effectLst/>
                 <a:latin typeface="Calibri" panose="020F0502020204030204" pitchFamily="34" charset="0"/>
                 <a:ea typeface="Calibri" panose="020F0502020204030204" pitchFamily="34" charset="0"/>
@@ -17796,7 +18255,7 @@
               <a:t> -H </a:t>
             </a:r>
             <a:r>
-              <a:rPr lang="es-ES" sz="2800" err="1">
+              <a:rPr lang="es-ES" sz="2800" dirty="0" err="1">
                 <a:effectLst/>
                 <a:latin typeface="Calibri" panose="020F0502020204030204" pitchFamily="34" charset="0"/>
                 <a:ea typeface="Calibri" panose="020F0502020204030204" pitchFamily="34" charset="0"/>
@@ -17805,7 +18264,7 @@
               <a:t>tcp</a:t>
             </a:r>
             <a:r>
-              <a:rPr lang="es-ES" sz="2800">
+              <a:rPr lang="es-ES" sz="2800" dirty="0">
                 <a:effectLst/>
                 <a:latin typeface="Calibri" panose="020F0502020204030204" pitchFamily="34" charset="0"/>
                 <a:ea typeface="Calibri" panose="020F0502020204030204" pitchFamily="34" charset="0"/>
@@ -17813,7 +18272,7 @@
               </a:rPr>
               <a:t>://0.0.0.0:2375</a:t>
             </a:r>
-            <a:endParaRPr lang="es-ES" sz="2800">
+            <a:endParaRPr lang="es-ES" sz="2800" dirty="0">
               <a:latin typeface="Calibri" panose="020F0502020204030204" pitchFamily="34" charset="0"/>
               <a:ea typeface="Calibri" panose="020F0502020204030204" pitchFamily="34" charset="0"/>
               <a:cs typeface="Calibri" panose="020F0502020204030204" pitchFamily="34" charset="0"/>
@@ -17825,7 +18284,7 @@
               <a:buChar char="•"/>
             </a:pPr>
             <a:r>
-              <a:rPr lang="es-ES" sz="2800">
+              <a:rPr lang="es-ES" sz="2800" dirty="0">
                 <a:effectLst/>
                 <a:latin typeface="Calibri" panose="020F0502020204030204" pitchFamily="34" charset="0"/>
                 <a:ea typeface="Calibri" panose="020F0502020204030204" pitchFamily="34" charset="0"/>
@@ -17834,7 +18293,7 @@
               <a:t>File Descriptor (</a:t>
             </a:r>
             <a:r>
-              <a:rPr lang="es-ES" sz="2800" err="1">
+              <a:rPr lang="es-ES" sz="2800" dirty="0" err="1">
                 <a:effectLst/>
                 <a:latin typeface="Calibri" panose="020F0502020204030204" pitchFamily="34" charset="0"/>
                 <a:ea typeface="Calibri" panose="020F0502020204030204" pitchFamily="34" charset="0"/>
@@ -17843,7 +18302,7 @@
               <a:t>fd</a:t>
             </a:r>
             <a:r>
-              <a:rPr lang="es-ES" sz="2800">
+              <a:rPr lang="es-ES" sz="2800" dirty="0">
                 <a:effectLst/>
                 <a:latin typeface="Calibri" panose="020F0502020204030204" pitchFamily="34" charset="0"/>
                 <a:ea typeface="Calibri" panose="020F0502020204030204" pitchFamily="34" charset="0"/>
@@ -17852,7 +18311,7 @@
               <a:t>)</a:t>
             </a:r>
             <a:br>
-              <a:rPr lang="es-ES" sz="2800">
+              <a:rPr lang="es-ES" sz="2800" dirty="0">
                 <a:effectLst/>
                 <a:latin typeface="Calibri" panose="020F0502020204030204" pitchFamily="34" charset="0"/>
                 <a:ea typeface="Calibri" panose="020F0502020204030204" pitchFamily="34" charset="0"/>
@@ -17860,28 +18319,28 @@
               </a:rPr>
             </a:br>
             <a:r>
-              <a:rPr lang="es-ES" sz="2800" err="1">
+              <a:rPr lang="es-ES" sz="2800" dirty="0" err="1">
                 <a:latin typeface="Calibri" panose="020F0502020204030204" pitchFamily="34" charset="0"/>
                 <a:cs typeface="Calibri" panose="020F0502020204030204" pitchFamily="34" charset="0"/>
               </a:rPr>
               <a:t>dockerd</a:t>
             </a:r>
             <a:r>
-              <a:rPr lang="es-ES" sz="2800">
+              <a:rPr lang="es-ES" sz="2800" dirty="0">
                 <a:latin typeface="Calibri" panose="020F0502020204030204" pitchFamily="34" charset="0"/>
                 <a:cs typeface="Calibri" panose="020F0502020204030204" pitchFamily="34" charset="0"/>
               </a:rPr>
               <a:t> -H </a:t>
             </a:r>
             <a:r>
-              <a:rPr lang="es-ES" sz="2800" err="1">
+              <a:rPr lang="es-ES" sz="2800" dirty="0" err="1">
                 <a:latin typeface="Calibri" panose="020F0502020204030204" pitchFamily="34" charset="0"/>
                 <a:cs typeface="Calibri" panose="020F0502020204030204" pitchFamily="34" charset="0"/>
               </a:rPr>
               <a:t>fd</a:t>
             </a:r>
             <a:r>
-              <a:rPr lang="es-ES" sz="2800">
+              <a:rPr lang="es-ES" sz="2800" dirty="0">
                 <a:latin typeface="Calibri" panose="020F0502020204030204" pitchFamily="34" charset="0"/>
                 <a:cs typeface="Calibri" panose="020F0502020204030204" pitchFamily="34" charset="0"/>
               </a:rPr>
@@ -18028,6 +18487,330 @@
   <p:clrMapOvr>
     <a:masterClrMapping/>
   </p:clrMapOvr>
+  <p:timing>
+    <p:tnLst>
+      <p:par>
+        <p:cTn id="1" dur="indefinite" restart="never" nodeType="tmRoot">
+          <p:childTnLst>
+            <p:seq concurrent="1" nextAc="seek">
+              <p:cTn id="2" dur="indefinite" nodeType="mainSeq">
+                <p:childTnLst>
+                  <p:par>
+                    <p:cTn id="3" fill="hold">
+                      <p:stCondLst>
+                        <p:cond delay="indefinite"/>
+                      </p:stCondLst>
+                      <p:childTnLst>
+                        <p:par>
+                          <p:cTn id="4" fill="hold">
+                            <p:stCondLst>
+                              <p:cond delay="0"/>
+                            </p:stCondLst>
+                            <p:childTnLst>
+                              <p:par>
+                                <p:cTn id="5" presetID="1" presetClass="entr" presetSubtype="0" fill="hold" nodeType="clickEffect">
+                                  <p:stCondLst>
+                                    <p:cond delay="0"/>
+                                  </p:stCondLst>
+                                  <p:childTnLst>
+                                    <p:set>
+                                      <p:cBhvr>
+                                        <p:cTn id="6" dur="1" fill="hold">
+                                          <p:stCondLst>
+                                            <p:cond delay="0"/>
+                                          </p:stCondLst>
+                                        </p:cTn>
+                                        <p:tgtEl>
+                                          <p:spTgt spid="3">
+                                            <p:txEl>
+                                              <p:pRg st="0" end="0"/>
+                                            </p:txEl>
+                                          </p:spTgt>
+                                        </p:tgtEl>
+                                        <p:attrNameLst>
+                                          <p:attrName>style.visibility</p:attrName>
+                                        </p:attrNameLst>
+                                      </p:cBhvr>
+                                      <p:to>
+                                        <p:strVal val="visible"/>
+                                      </p:to>
+                                    </p:set>
+                                  </p:childTnLst>
+                                </p:cTn>
+                              </p:par>
+                            </p:childTnLst>
+                          </p:cTn>
+                        </p:par>
+                      </p:childTnLst>
+                    </p:cTn>
+                  </p:par>
+                  <p:par>
+                    <p:cTn id="7" fill="hold">
+                      <p:stCondLst>
+                        <p:cond delay="indefinite"/>
+                      </p:stCondLst>
+                      <p:childTnLst>
+                        <p:par>
+                          <p:cTn id="8" fill="hold">
+                            <p:stCondLst>
+                              <p:cond delay="0"/>
+                            </p:stCondLst>
+                            <p:childTnLst>
+                              <p:par>
+                                <p:cTn id="9" presetID="1" presetClass="entr" presetSubtype="0" fill="hold" nodeType="clickEffect">
+                                  <p:stCondLst>
+                                    <p:cond delay="0"/>
+                                  </p:stCondLst>
+                                  <p:childTnLst>
+                                    <p:set>
+                                      <p:cBhvr>
+                                        <p:cTn id="10" dur="1" fill="hold">
+                                          <p:stCondLst>
+                                            <p:cond delay="0"/>
+                                          </p:stCondLst>
+                                        </p:cTn>
+                                        <p:tgtEl>
+                                          <p:spTgt spid="3">
+                                            <p:txEl>
+                                              <p:pRg st="1" end="1"/>
+                                            </p:txEl>
+                                          </p:spTgt>
+                                        </p:tgtEl>
+                                        <p:attrNameLst>
+                                          <p:attrName>style.visibility</p:attrName>
+                                        </p:attrNameLst>
+                                      </p:cBhvr>
+                                      <p:to>
+                                        <p:strVal val="visible"/>
+                                      </p:to>
+                                    </p:set>
+                                  </p:childTnLst>
+                                </p:cTn>
+                              </p:par>
+                            </p:childTnLst>
+                          </p:cTn>
+                        </p:par>
+                      </p:childTnLst>
+                    </p:cTn>
+                  </p:par>
+                  <p:par>
+                    <p:cTn id="11" fill="hold">
+                      <p:stCondLst>
+                        <p:cond delay="indefinite"/>
+                      </p:stCondLst>
+                      <p:childTnLst>
+                        <p:par>
+                          <p:cTn id="12" fill="hold">
+                            <p:stCondLst>
+                              <p:cond delay="0"/>
+                            </p:stCondLst>
+                            <p:childTnLst>
+                              <p:par>
+                                <p:cTn id="13" presetID="1" presetClass="entr" presetSubtype="0" fill="hold" nodeType="clickEffect">
+                                  <p:stCondLst>
+                                    <p:cond delay="0"/>
+                                  </p:stCondLst>
+                                  <p:childTnLst>
+                                    <p:set>
+                                      <p:cBhvr>
+                                        <p:cTn id="14" dur="1" fill="hold">
+                                          <p:stCondLst>
+                                            <p:cond delay="0"/>
+                                          </p:stCondLst>
+                                        </p:cTn>
+                                        <p:tgtEl>
+                                          <p:spTgt spid="3">
+                                            <p:txEl>
+                                              <p:pRg st="2" end="2"/>
+                                            </p:txEl>
+                                          </p:spTgt>
+                                        </p:tgtEl>
+                                        <p:attrNameLst>
+                                          <p:attrName>style.visibility</p:attrName>
+                                        </p:attrNameLst>
+                                      </p:cBhvr>
+                                      <p:to>
+                                        <p:strVal val="visible"/>
+                                      </p:to>
+                                    </p:set>
+                                  </p:childTnLst>
+                                </p:cTn>
+                              </p:par>
+                            </p:childTnLst>
+                          </p:cTn>
+                        </p:par>
+                      </p:childTnLst>
+                    </p:cTn>
+                  </p:par>
+                  <p:par>
+                    <p:cTn id="15" fill="hold">
+                      <p:stCondLst>
+                        <p:cond delay="indefinite"/>
+                      </p:stCondLst>
+                      <p:childTnLst>
+                        <p:par>
+                          <p:cTn id="16" fill="hold">
+                            <p:stCondLst>
+                              <p:cond delay="0"/>
+                            </p:stCondLst>
+                            <p:childTnLst>
+                              <p:par>
+                                <p:cTn id="17" presetID="1" presetClass="entr" presetSubtype="0" fill="hold" nodeType="clickEffect">
+                                  <p:stCondLst>
+                                    <p:cond delay="0"/>
+                                  </p:stCondLst>
+                                  <p:childTnLst>
+                                    <p:set>
+                                      <p:cBhvr>
+                                        <p:cTn id="18" dur="1" fill="hold">
+                                          <p:stCondLst>
+                                            <p:cond delay="0"/>
+                                          </p:stCondLst>
+                                        </p:cTn>
+                                        <p:tgtEl>
+                                          <p:spTgt spid="3">
+                                            <p:txEl>
+                                              <p:pRg st="3" end="3"/>
+                                            </p:txEl>
+                                          </p:spTgt>
+                                        </p:tgtEl>
+                                        <p:attrNameLst>
+                                          <p:attrName>style.visibility</p:attrName>
+                                        </p:attrNameLst>
+                                      </p:cBhvr>
+                                      <p:to>
+                                        <p:strVal val="visible"/>
+                                      </p:to>
+                                    </p:set>
+                                  </p:childTnLst>
+                                </p:cTn>
+                              </p:par>
+                            </p:childTnLst>
+                          </p:cTn>
+                        </p:par>
+                      </p:childTnLst>
+                    </p:cTn>
+                  </p:par>
+                  <p:par>
+                    <p:cTn id="19" fill="hold">
+                      <p:stCondLst>
+                        <p:cond delay="indefinite"/>
+                      </p:stCondLst>
+                      <p:childTnLst>
+                        <p:par>
+                          <p:cTn id="20" fill="hold">
+                            <p:stCondLst>
+                              <p:cond delay="0"/>
+                            </p:stCondLst>
+                            <p:childTnLst>
+                              <p:par>
+                                <p:cTn id="21" presetID="1" presetClass="entr" presetSubtype="0" fill="hold" nodeType="clickEffect">
+                                  <p:stCondLst>
+                                    <p:cond delay="0"/>
+                                  </p:stCondLst>
+                                  <p:childTnLst>
+                                    <p:set>
+                                      <p:cBhvr>
+                                        <p:cTn id="22" dur="1" fill="hold">
+                                          <p:stCondLst>
+                                            <p:cond delay="0"/>
+                                          </p:stCondLst>
+                                        </p:cTn>
+                                        <p:tgtEl>
+                                          <p:spTgt spid="3">
+                                            <p:txEl>
+                                              <p:pRg st="4" end="4"/>
+                                            </p:txEl>
+                                          </p:spTgt>
+                                        </p:tgtEl>
+                                        <p:attrNameLst>
+                                          <p:attrName>style.visibility</p:attrName>
+                                        </p:attrNameLst>
+                                      </p:cBhvr>
+                                      <p:to>
+                                        <p:strVal val="visible"/>
+                                      </p:to>
+                                    </p:set>
+                                  </p:childTnLst>
+                                </p:cTn>
+                              </p:par>
+                            </p:childTnLst>
+                          </p:cTn>
+                        </p:par>
+                      </p:childTnLst>
+                    </p:cTn>
+                  </p:par>
+                  <p:par>
+                    <p:cTn id="23" fill="hold">
+                      <p:stCondLst>
+                        <p:cond delay="indefinite"/>
+                      </p:stCondLst>
+                      <p:childTnLst>
+                        <p:par>
+                          <p:cTn id="24" fill="hold">
+                            <p:stCondLst>
+                              <p:cond delay="0"/>
+                            </p:stCondLst>
+                            <p:childTnLst>
+                              <p:par>
+                                <p:cTn id="25" presetID="1" presetClass="entr" presetSubtype="0" fill="hold" nodeType="clickEffect">
+                                  <p:stCondLst>
+                                    <p:cond delay="0"/>
+                                  </p:stCondLst>
+                                  <p:childTnLst>
+                                    <p:set>
+                                      <p:cBhvr>
+                                        <p:cTn id="26" dur="1" fill="hold">
+                                          <p:stCondLst>
+                                            <p:cond delay="0"/>
+                                          </p:stCondLst>
+                                        </p:cTn>
+                                        <p:tgtEl>
+                                          <p:spTgt spid="3">
+                                            <p:txEl>
+                                              <p:pRg st="5" end="5"/>
+                                            </p:txEl>
+                                          </p:spTgt>
+                                        </p:tgtEl>
+                                        <p:attrNameLst>
+                                          <p:attrName>style.visibility</p:attrName>
+                                        </p:attrNameLst>
+                                      </p:cBhvr>
+                                      <p:to>
+                                        <p:strVal val="visible"/>
+                                      </p:to>
+                                    </p:set>
+                                  </p:childTnLst>
+                                </p:cTn>
+                              </p:par>
+                            </p:childTnLst>
+                          </p:cTn>
+                        </p:par>
+                      </p:childTnLst>
+                    </p:cTn>
+                  </p:par>
+                </p:childTnLst>
+              </p:cTn>
+              <p:prevCondLst>
+                <p:cond evt="onPrev" delay="0">
+                  <p:tgtEl>
+                    <p:sldTgt/>
+                  </p:tgtEl>
+                </p:cond>
+              </p:prevCondLst>
+              <p:nextCondLst>
+                <p:cond evt="onNext" delay="0">
+                  <p:tgtEl>
+                    <p:sldTgt/>
+                  </p:tgtEl>
+                </p:cond>
+              </p:nextCondLst>
+            </p:seq>
+          </p:childTnLst>
+        </p:cTn>
+      </p:par>
+    </p:tnLst>
+  </p:timing>
 </p:sld>
 </file>
 
@@ -18142,7 +18925,7 @@
         </p:nvSpPr>
         <p:spPr>
           <a:xfrm>
-            <a:off x="1607125" y="1684997"/>
+            <a:off x="1545798" y="1593568"/>
             <a:ext cx="7386147" cy="739881"/>
           </a:xfrm>
           <a:prstGeom prst="rect">
@@ -18167,7 +18950,7 @@
               </a:spcAft>
             </a:pPr>
             <a:r>
-              <a:rPr lang="en-US" sz="3600" cap="all">
+              <a:rPr lang="en-US" sz="3600" cap="all" dirty="0">
                 <a:latin typeface="+mj-lt"/>
                 <a:ea typeface="+mj-ea"/>
                 <a:cs typeface="+mj-cs"/>
@@ -18175,7 +18958,7 @@
               <a:t>¿</a:t>
             </a:r>
             <a:r>
-              <a:rPr lang="en-US" sz="3600" cap="all" err="1">
+              <a:rPr lang="en-US" sz="3600" cap="all" dirty="0" err="1">
                 <a:latin typeface="+mj-lt"/>
                 <a:ea typeface="+mj-ea"/>
                 <a:cs typeface="+mj-cs"/>
@@ -18183,7 +18966,7 @@
               <a:t>Qué</a:t>
             </a:r>
             <a:r>
-              <a:rPr lang="en-US" sz="3600" cap="all">
+              <a:rPr lang="en-US" sz="3600" cap="all" dirty="0">
                 <a:latin typeface="+mj-lt"/>
                 <a:ea typeface="+mj-ea"/>
                 <a:cs typeface="+mj-cs"/>
@@ -18191,7 +18974,7 @@
               <a:t> </a:t>
             </a:r>
             <a:r>
-              <a:rPr lang="en-US" sz="3600" cap="all" err="1">
+              <a:rPr lang="en-US" sz="3600" cap="all" dirty="0" err="1">
                 <a:latin typeface="+mj-lt"/>
                 <a:ea typeface="+mj-ea"/>
                 <a:cs typeface="+mj-cs"/>
@@ -18199,7 +18982,7 @@
               <a:t>implica</a:t>
             </a:r>
             <a:r>
-              <a:rPr lang="en-US" sz="3600" cap="all">
+              <a:rPr lang="en-US" sz="3600" cap="all" dirty="0">
                 <a:latin typeface="+mj-lt"/>
                 <a:ea typeface="+mj-ea"/>
                 <a:cs typeface="+mj-cs"/>
@@ -18207,7 +18990,7 @@
               <a:t> </a:t>
             </a:r>
             <a:r>
-              <a:rPr lang="en-US" sz="3600" cap="all" err="1">
+              <a:rPr lang="en-US" sz="3600" cap="all" dirty="0" err="1">
                 <a:latin typeface="+mj-lt"/>
                 <a:ea typeface="+mj-ea"/>
                 <a:cs typeface="+mj-cs"/>
@@ -18215,7 +18998,7 @@
               <a:t>exponer</a:t>
             </a:r>
             <a:r>
-              <a:rPr lang="en-US" sz="3600" cap="all">
+              <a:rPr lang="en-US" sz="3600" cap="all" dirty="0">
                 <a:latin typeface="+mj-lt"/>
                 <a:ea typeface="+mj-ea"/>
                 <a:cs typeface="+mj-cs"/>
@@ -18239,7 +19022,7 @@
         </p:nvSpPr>
         <p:spPr>
           <a:xfrm>
-            <a:off x="1055239" y="2950297"/>
+            <a:off x="1175000" y="3458193"/>
             <a:ext cx="7386147" cy="1806239"/>
           </a:xfrm>
           <a:prstGeom prst="rect">
@@ -18264,59 +19047,59 @@
               </a:spcAft>
             </a:pPr>
             <a:r>
-              <a:rPr lang="en-US" sz="4000" err="1"/>
+              <a:rPr lang="en-US" sz="4000" dirty="0" err="1"/>
               <a:t>Otros</a:t>
             </a:r>
             <a:r>
-              <a:rPr lang="en-US" sz="4000"/>
+              <a:rPr lang="en-US" sz="4000" dirty="0"/>
               <a:t> </a:t>
             </a:r>
             <a:r>
-              <a:rPr lang="en-US" sz="4000" err="1"/>
+              <a:rPr lang="en-US" sz="4000" dirty="0" err="1"/>
               <a:t>procesos</a:t>
             </a:r>
             <a:r>
-              <a:rPr lang="en-US" sz="4000"/>
+              <a:rPr lang="en-US" sz="4000" dirty="0"/>
               <a:t> </a:t>
             </a:r>
             <a:r>
-              <a:rPr lang="en-US" sz="4000" err="1"/>
+              <a:rPr lang="en-US" sz="4000" dirty="0" err="1"/>
               <a:t>pueden</a:t>
             </a:r>
             <a:r>
-              <a:rPr lang="en-US" sz="4000"/>
+              <a:rPr lang="en-US" sz="4000" dirty="0"/>
               <a:t> </a:t>
             </a:r>
             <a:r>
-              <a:rPr lang="en-US" sz="4000" err="1"/>
+              <a:rPr lang="en-US" sz="4000" dirty="0" err="1"/>
               <a:t>ejecutar</a:t>
             </a:r>
             <a:r>
-              <a:rPr lang="en-US" sz="4000"/>
+              <a:rPr lang="en-US" sz="4000" dirty="0"/>
               <a:t> y </a:t>
             </a:r>
             <a:r>
-              <a:rPr lang="en-US" sz="4000" err="1"/>
+              <a:rPr lang="en-US" sz="4000" dirty="0" err="1"/>
               <a:t>gestionar</a:t>
             </a:r>
             <a:r>
-              <a:rPr lang="en-US" sz="4000"/>
+              <a:rPr lang="en-US" sz="4000" dirty="0"/>
               <a:t> </a:t>
             </a:r>
             <a:r>
-              <a:rPr lang="en-US" sz="4000" err="1"/>
+              <a:rPr lang="en-US" sz="4000" dirty="0" err="1"/>
               <a:t>contenedores</a:t>
             </a:r>
             <a:r>
-              <a:rPr lang="en-US" sz="4000"/>
+              <a:rPr lang="en-US" sz="4000" dirty="0"/>
               <a:t>, </a:t>
             </a:r>
             <a:r>
-              <a:rPr lang="en-US" sz="4000" err="1"/>
+              <a:rPr lang="en-US" sz="4000" dirty="0" err="1"/>
               <a:t>imágenes</a:t>
             </a:r>
             <a:r>
-              <a:rPr lang="en-US" sz="4000"/>
+              <a:rPr lang="en-US" sz="4000" dirty="0"/>
               <a:t> y redes. </a:t>
             </a:r>
           </a:p>
@@ -18350,7 +19133,7 @@
         </p:blipFill>
         <p:spPr>
           <a:xfrm>
-            <a:off x="1055239" y="1782903"/>
+            <a:off x="993912" y="1691474"/>
             <a:ext cx="682061" cy="682061"/>
           </a:xfrm>
           <a:prstGeom prst="rect">
@@ -18386,7 +19169,7 @@
         </p:blipFill>
         <p:spPr bwMode="auto">
           <a:xfrm>
-            <a:off x="7599427" y="3729127"/>
+            <a:off x="8610138" y="3709249"/>
             <a:ext cx="1984974" cy="1992325"/>
           </a:xfrm>
           <a:prstGeom prst="rect">
@@ -18432,7 +19215,7 @@
         </p:blipFill>
         <p:spPr bwMode="auto">
           <a:xfrm>
-            <a:off x="8213985" y="3880893"/>
+            <a:off x="9224696" y="3861015"/>
             <a:ext cx="666835" cy="444556"/>
           </a:xfrm>
           <a:prstGeom prst="rect">
@@ -18495,6 +19278,78 @@
                                         </p:cTn>
                                         <p:tgtEl>
                                           <p:spTgt spid="13"/>
+                                        </p:tgtEl>
+                                        <p:attrNameLst>
+                                          <p:attrName>style.visibility</p:attrName>
+                                        </p:attrNameLst>
+                                      </p:cBhvr>
+                                      <p:to>
+                                        <p:strVal val="visible"/>
+                                      </p:to>
+                                    </p:set>
+                                  </p:childTnLst>
+                                </p:cTn>
+                              </p:par>
+                            </p:childTnLst>
+                          </p:cTn>
+                        </p:par>
+                      </p:childTnLst>
+                    </p:cTn>
+                  </p:par>
+                  <p:par>
+                    <p:cTn id="7" fill="hold">
+                      <p:stCondLst>
+                        <p:cond delay="indefinite"/>
+                      </p:stCondLst>
+                      <p:childTnLst>
+                        <p:par>
+                          <p:cTn id="8" fill="hold">
+                            <p:stCondLst>
+                              <p:cond delay="0"/>
+                            </p:stCondLst>
+                            <p:childTnLst>
+                              <p:par>
+                                <p:cTn id="9" presetID="1" presetClass="entr" presetSubtype="0" fill="hold" nodeType="clickEffect">
+                                  <p:stCondLst>
+                                    <p:cond delay="0"/>
+                                  </p:stCondLst>
+                                  <p:childTnLst>
+                                    <p:set>
+                                      <p:cBhvr>
+                                        <p:cTn id="10" dur="1" fill="hold">
+                                          <p:stCondLst>
+                                            <p:cond delay="0"/>
+                                          </p:stCondLst>
+                                        </p:cTn>
+                                        <p:tgtEl>
+                                          <p:spTgt spid="20"/>
+                                        </p:tgtEl>
+                                        <p:attrNameLst>
+                                          <p:attrName>style.visibility</p:attrName>
+                                        </p:attrNameLst>
+                                      </p:cBhvr>
+                                      <p:to>
+                                        <p:strVal val="visible"/>
+                                      </p:to>
+                                    </p:set>
+                                  </p:childTnLst>
+                                </p:cTn>
+                              </p:par>
+                              <p:par>
+                                <p:cTn id="11" presetID="1" presetClass="entr" presetSubtype="0" fill="hold" nodeType="withEffect">
+                                  <p:stCondLst>
+                                    <p:cond delay="0"/>
+                                  </p:stCondLst>
+                                  <p:childTnLst>
+                                    <p:set>
+                                      <p:cBhvr>
+                                        <p:cTn id="12" dur="1" fill="hold">
+                                          <p:stCondLst>
+                                            <p:cond delay="0"/>
+                                          </p:stCondLst>
+                                        </p:cTn>
+                                        <p:tgtEl>
+                                          <p:spTgt spid="21"/>
                                         </p:tgtEl>
                                         <p:attrNameLst>
                                           <p:attrName>style.visibility</p:attrName>
@@ -18839,7 +19694,7 @@
         </p:nvSpPr>
         <p:spPr>
           <a:xfrm>
-            <a:off x="1607125" y="1684997"/>
+            <a:off x="626465" y="1491720"/>
             <a:ext cx="7386147" cy="739881"/>
           </a:xfrm>
           <a:prstGeom prst="rect">
@@ -18864,60 +19719,44 @@
               </a:spcAft>
             </a:pPr>
             <a:r>
-              <a:rPr lang="en-US" sz="3600" cap="all">
+              <a:rPr lang="en-US" sz="3600" cap="all" dirty="0">
                 <a:latin typeface="+mj-lt"/>
                 <a:ea typeface="+mj-ea"/>
                 <a:cs typeface="+mj-cs"/>
               </a:rPr>
-              <a:t>¿</a:t>
-            </a:r>
-            <a:r>
-              <a:rPr lang="en-US" sz="3600" cap="all" err="1">
+              <a:t>¿Por </a:t>
+            </a:r>
+            <a:r>
+              <a:rPr lang="en-US" sz="3600" cap="all" dirty="0" err="1">
                 <a:latin typeface="+mj-lt"/>
                 <a:ea typeface="+mj-ea"/>
                 <a:cs typeface="+mj-cs"/>
               </a:rPr>
-              <a:t>Qué</a:t>
-            </a:r>
-            <a:r>
-              <a:rPr lang="en-US" sz="3600" cap="all">
+              <a:t>qué</a:t>
+            </a:r>
+            <a:r>
+              <a:rPr lang="en-US" sz="3600" cap="all" dirty="0">
                 <a:latin typeface="+mj-lt"/>
                 <a:ea typeface="+mj-ea"/>
                 <a:cs typeface="+mj-cs"/>
               </a:rPr>
-              <a:t> </a:t>
-            </a:r>
-            <a:r>
-              <a:rPr lang="en-US" sz="3600" cap="all" err="1">
+              <a:t> lo </a:t>
+            </a:r>
+            <a:r>
+              <a:rPr lang="en-US" sz="3600" cap="all" dirty="0" err="1">
                 <a:latin typeface="+mj-lt"/>
                 <a:ea typeface="+mj-ea"/>
                 <a:cs typeface="+mj-cs"/>
               </a:rPr>
-              <a:t>implica</a:t>
-            </a:r>
-            <a:r>
-              <a:rPr lang="en-US" sz="3600" cap="all">
+              <a:t>hacemos</a:t>
+            </a:r>
+            <a:r>
+              <a:rPr lang="en-US" sz="3600" cap="all" dirty="0">
                 <a:latin typeface="+mj-lt"/>
                 <a:ea typeface="+mj-ea"/>
                 <a:cs typeface="+mj-cs"/>
               </a:rPr>
-              <a:t> </a:t>
-            </a:r>
-            <a:r>
-              <a:rPr lang="en-US" sz="3600" cap="all" err="1">
-                <a:latin typeface="+mj-lt"/>
-                <a:ea typeface="+mj-ea"/>
-                <a:cs typeface="+mj-cs"/>
-              </a:rPr>
-              <a:t>exponer</a:t>
-            </a:r>
-            <a:r>
-              <a:rPr lang="en-US" sz="3600" cap="all">
-                <a:latin typeface="+mj-lt"/>
-                <a:ea typeface="+mj-ea"/>
-                <a:cs typeface="+mj-cs"/>
-              </a:rPr>
-              <a:t> DOCKERD?</a:t>
+              <a:t>?</a:t>
             </a:r>
           </a:p>
         </p:txBody>
@@ -18950,7 +19789,7 @@
         </p:blipFill>
         <p:spPr>
           <a:xfrm>
-            <a:off x="1055239" y="1782903"/>
+            <a:off x="1055239" y="1587711"/>
             <a:ext cx="682061" cy="682061"/>
           </a:xfrm>
           <a:prstGeom prst="rect">
@@ -18991,68 +19830,68 @@
               <a:buChar char="•"/>
             </a:pPr>
             <a:r>
-              <a:rPr lang="es-ES" sz="2800"/>
+              <a:rPr lang="es-ES" sz="2800" dirty="0"/>
               <a:t>CI/CD - Docker in Docker (</a:t>
             </a:r>
             <a:r>
-              <a:rPr lang="es-ES" sz="2800" err="1"/>
+              <a:rPr lang="es-ES" sz="2800" dirty="0" err="1"/>
               <a:t>dind</a:t>
             </a:r>
             <a:r>
-              <a:rPr lang="es-ES" sz="2800"/>
+              <a:rPr lang="es-ES" sz="2800" dirty="0"/>
               <a:t>):</a:t>
             </a:r>
           </a:p>
           <a:p>
             <a:r>
-              <a:rPr lang="es-ES" sz="2400"/>
+              <a:rPr lang="es-ES" sz="2400" dirty="0"/>
               <a:t>docker run -</a:t>
             </a:r>
             <a:r>
-              <a:rPr lang="es-ES" sz="2400" err="1"/>
+              <a:rPr lang="es-ES" sz="2400" dirty="0" err="1"/>
               <a:t>it</a:t>
             </a:r>
             <a:r>
-              <a:rPr lang="es-ES" sz="2400"/>
+              <a:rPr lang="es-ES" sz="2400" dirty="0"/>
               <a:t> -v </a:t>
             </a:r>
             <a:r>
-              <a:rPr lang="es-ES" sz="2400">
+              <a:rPr lang="es-ES" sz="2400" dirty="0">
                 <a:effectLst/>
                 <a:latin typeface="inherit"/>
               </a:rPr>
               <a:t>/</a:t>
             </a:r>
             <a:r>
-              <a:rPr lang="es-ES" sz="2400" err="1">
+              <a:rPr lang="es-ES" sz="2400" dirty="0" err="1">
                 <a:effectLst/>
                 <a:latin typeface="inherit"/>
               </a:rPr>
               <a:t>var</a:t>
             </a:r>
             <a:r>
-              <a:rPr lang="es-ES" sz="2400">
+              <a:rPr lang="es-ES" sz="2400" dirty="0">
                 <a:effectLst/>
                 <a:latin typeface="inherit"/>
               </a:rPr>
               <a:t>/run/</a:t>
             </a:r>
             <a:r>
-              <a:rPr lang="es-ES" sz="2400" err="1">
+              <a:rPr lang="es-ES" sz="2400" dirty="0" err="1">
                 <a:effectLst/>
                 <a:latin typeface="inherit"/>
               </a:rPr>
               <a:t>docker.sock</a:t>
             </a:r>
             <a:r>
-              <a:rPr lang="es-ES" sz="2400">
+              <a:rPr lang="es-ES" sz="2400" dirty="0">
                 <a:effectLst/>
                 <a:latin typeface="inherit"/>
               </a:rPr>
               <a:t>:/</a:t>
             </a:r>
             <a:r>
-              <a:rPr lang="es-ES" sz="2400" err="1">
+              <a:rPr lang="es-ES" sz="2400" dirty="0" err="1">
                 <a:effectLst/>
                 <a:latin typeface="Calibri" panose="020F0502020204030204" pitchFamily="34" charset="0"/>
                 <a:ea typeface="Calibri" panose="020F0502020204030204" pitchFamily="34" charset="0"/>
@@ -19061,7 +19900,7 @@
               <a:t>var</a:t>
             </a:r>
             <a:r>
-              <a:rPr lang="es-ES" sz="2400">
+              <a:rPr lang="es-ES" sz="2400" dirty="0">
                 <a:effectLst/>
                 <a:latin typeface="Calibri" panose="020F0502020204030204" pitchFamily="34" charset="0"/>
                 <a:ea typeface="Calibri" panose="020F0502020204030204" pitchFamily="34" charset="0"/>
@@ -19070,7 +19909,7 @@
               <a:t>/run/</a:t>
             </a:r>
             <a:r>
-              <a:rPr lang="es-ES" sz="2400" err="1">
+              <a:rPr lang="es-ES" sz="2400" dirty="0" err="1">
                 <a:effectLst/>
                 <a:latin typeface="Calibri" panose="020F0502020204030204" pitchFamily="34" charset="0"/>
                 <a:ea typeface="Calibri" panose="020F0502020204030204" pitchFamily="34" charset="0"/>
@@ -19079,7 +19918,7 @@
               <a:t>docker.sock</a:t>
             </a:r>
             <a:r>
-              <a:rPr lang="es-ES" sz="2400">
+              <a:rPr lang="es-ES" sz="2400" dirty="0">
                 <a:effectLst/>
                 <a:latin typeface="Calibri" panose="020F0502020204030204" pitchFamily="34" charset="0"/>
                 <a:cs typeface="Calibri" panose="020F0502020204030204" pitchFamily="34" charset="0"/>
@@ -19087,14 +19926,14 @@
               <a:t> docker </a:t>
             </a:r>
             <a:r>
-              <a:rPr lang="es-ES" sz="2400" err="1">
+              <a:rPr lang="es-ES" sz="2400" dirty="0" err="1">
                 <a:effectLst/>
                 <a:latin typeface="Calibri" panose="020F0502020204030204" pitchFamily="34" charset="0"/>
                 <a:cs typeface="Calibri" panose="020F0502020204030204" pitchFamily="34" charset="0"/>
               </a:rPr>
               <a:t>sh</a:t>
             </a:r>
-            <a:endParaRPr lang="es-ES" sz="2400"/>
+            <a:endParaRPr lang="es-ES" sz="2400" dirty="0"/>
           </a:p>
         </p:txBody>
       </p:sp>
@@ -19131,52 +19970,52 @@
               <a:buChar char="•"/>
             </a:pPr>
             <a:r>
-              <a:rPr lang="es-ES" sz="2800"/>
+              <a:rPr lang="es-ES" sz="2800" dirty="0"/>
               <a:t>Monitorización</a:t>
             </a:r>
           </a:p>
           <a:p>
             <a:r>
-              <a:rPr lang="es-ES" sz="2400"/>
+              <a:rPr lang="es-ES" sz="2400" dirty="0"/>
               <a:t>docker run -d -v </a:t>
             </a:r>
             <a:r>
-              <a:rPr lang="es-ES" sz="2400">
+              <a:rPr lang="es-ES" sz="2400" dirty="0">
                 <a:effectLst/>
                 <a:latin typeface="inherit"/>
               </a:rPr>
               <a:t>/</a:t>
             </a:r>
             <a:r>
-              <a:rPr lang="es-ES" sz="2400" err="1">
+              <a:rPr lang="es-ES" sz="2400" dirty="0" err="1">
                 <a:effectLst/>
                 <a:latin typeface="inherit"/>
               </a:rPr>
               <a:t>var</a:t>
             </a:r>
             <a:r>
-              <a:rPr lang="es-ES" sz="2400">
+              <a:rPr lang="es-ES" sz="2400" dirty="0">
                 <a:effectLst/>
                 <a:latin typeface="inherit"/>
               </a:rPr>
               <a:t>/run/</a:t>
             </a:r>
             <a:r>
-              <a:rPr lang="es-ES" sz="2400" err="1">
+              <a:rPr lang="es-ES" sz="2400" dirty="0" err="1">
                 <a:effectLst/>
                 <a:latin typeface="inherit"/>
               </a:rPr>
               <a:t>docker.sock</a:t>
             </a:r>
             <a:r>
-              <a:rPr lang="es-ES" sz="2400">
+              <a:rPr lang="es-ES" sz="2400" dirty="0">
                 <a:effectLst/>
                 <a:latin typeface="inherit"/>
               </a:rPr>
               <a:t>:/</a:t>
             </a:r>
             <a:r>
-              <a:rPr lang="es-ES" sz="2400" err="1">
+              <a:rPr lang="es-ES" sz="2400" dirty="0" err="1">
                 <a:effectLst/>
                 <a:latin typeface="Calibri" panose="020F0502020204030204" pitchFamily="34" charset="0"/>
                 <a:ea typeface="Calibri" panose="020F0502020204030204" pitchFamily="34" charset="0"/>
@@ -19185,7 +20024,7 @@
               <a:t>var</a:t>
             </a:r>
             <a:r>
-              <a:rPr lang="es-ES" sz="2400">
+              <a:rPr lang="es-ES" sz="2400" dirty="0">
                 <a:effectLst/>
                 <a:latin typeface="Calibri" panose="020F0502020204030204" pitchFamily="34" charset="0"/>
                 <a:ea typeface="Calibri" panose="020F0502020204030204" pitchFamily="34" charset="0"/>
@@ -19194,7 +20033,7 @@
               <a:t>/run/</a:t>
             </a:r>
             <a:r>
-              <a:rPr lang="es-ES" sz="2400" err="1">
+              <a:rPr lang="es-ES" sz="2400" dirty="0" err="1">
                 <a:effectLst/>
                 <a:latin typeface="Calibri" panose="020F0502020204030204" pitchFamily="34" charset="0"/>
                 <a:ea typeface="Calibri" panose="020F0502020204030204" pitchFamily="34" charset="0"/>
@@ -19203,7 +20042,7 @@
               <a:t>docker.sock</a:t>
             </a:r>
             <a:r>
-              <a:rPr lang="es-ES" sz="2400">
+              <a:rPr lang="es-ES" sz="2400" dirty="0">
                 <a:effectLst/>
                 <a:latin typeface="Calibri" panose="020F0502020204030204" pitchFamily="34" charset="0"/>
                 <a:cs typeface="Calibri" panose="020F0502020204030204" pitchFamily="34" charset="0"/>
@@ -19211,7 +20050,7 @@
               <a:t> </a:t>
             </a:r>
             <a:r>
-              <a:rPr lang="es-ES" sz="2400" err="1">
+              <a:rPr lang="es-ES" sz="2400" dirty="0" err="1">
                 <a:effectLst/>
                 <a:latin typeface="Calibri" panose="020F0502020204030204" pitchFamily="34" charset="0"/>
                 <a:cs typeface="Calibri" panose="020F0502020204030204" pitchFamily="34" charset="0"/>
@@ -19219,18 +20058,18 @@
               <a:t>g</a:t>
             </a:r>
             <a:r>
-              <a:rPr lang="es-ES" sz="2400" err="1"/>
+              <a:rPr lang="es-ES" sz="2400" dirty="0" err="1"/>
               <a:t>oogle</a:t>
             </a:r>
             <a:r>
-              <a:rPr lang="es-ES" sz="2400"/>
+              <a:rPr lang="es-ES" sz="2400" dirty="0"/>
               <a:t>/</a:t>
             </a:r>
             <a:r>
-              <a:rPr lang="es-ES" sz="2400" err="1"/>
+              <a:rPr lang="es-ES" sz="2400" dirty="0" err="1"/>
               <a:t>cadvisor</a:t>
             </a:r>
-            <a:endParaRPr lang="es-ES" sz="2400"/>
+            <a:endParaRPr lang="es-ES" sz="2400" dirty="0"/>
           </a:p>
         </p:txBody>
       </p:sp>
@@ -19267,52 +20106,52 @@
               <a:buChar char="•"/>
             </a:pPr>
             <a:r>
-              <a:rPr lang="es-ES" sz="2800"/>
+              <a:rPr lang="es-ES" sz="2800" dirty="0"/>
               <a:t>Orquestación</a:t>
             </a:r>
           </a:p>
           <a:p>
             <a:r>
-              <a:rPr lang="es-ES" sz="2400"/>
+              <a:rPr lang="es-ES" sz="2400" dirty="0"/>
               <a:t>docker run -d -v </a:t>
             </a:r>
             <a:r>
-              <a:rPr lang="es-ES" sz="2400">
+              <a:rPr lang="es-ES" sz="2400" dirty="0">
                 <a:effectLst/>
                 <a:latin typeface="inherit"/>
               </a:rPr>
               <a:t>/</a:t>
             </a:r>
             <a:r>
-              <a:rPr lang="es-ES" sz="2400" err="1">
+              <a:rPr lang="es-ES" sz="2400" dirty="0" err="1">
                 <a:effectLst/>
                 <a:latin typeface="inherit"/>
               </a:rPr>
               <a:t>var</a:t>
             </a:r>
             <a:r>
-              <a:rPr lang="es-ES" sz="2400">
+              <a:rPr lang="es-ES" sz="2400" dirty="0">
                 <a:effectLst/>
                 <a:latin typeface="inherit"/>
               </a:rPr>
               <a:t>/run/</a:t>
             </a:r>
             <a:r>
-              <a:rPr lang="es-ES" sz="2400" err="1">
+              <a:rPr lang="es-ES" sz="2400" dirty="0" err="1">
                 <a:effectLst/>
                 <a:latin typeface="inherit"/>
               </a:rPr>
               <a:t>docker.sock</a:t>
             </a:r>
             <a:r>
-              <a:rPr lang="es-ES" sz="2400">
+              <a:rPr lang="es-ES" sz="2400" dirty="0">
                 <a:effectLst/>
                 <a:latin typeface="inherit"/>
               </a:rPr>
               <a:t>:/</a:t>
             </a:r>
             <a:r>
-              <a:rPr lang="es-ES" sz="2400" err="1">
+              <a:rPr lang="es-ES" sz="2400" dirty="0" err="1">
                 <a:effectLst/>
                 <a:latin typeface="Calibri" panose="020F0502020204030204" pitchFamily="34" charset="0"/>
                 <a:ea typeface="Calibri" panose="020F0502020204030204" pitchFamily="34" charset="0"/>
@@ -19321,7 +20160,7 @@
               <a:t>var</a:t>
             </a:r>
             <a:r>
-              <a:rPr lang="es-ES" sz="2400">
+              <a:rPr lang="es-ES" sz="2400" dirty="0">
                 <a:effectLst/>
                 <a:latin typeface="Calibri" panose="020F0502020204030204" pitchFamily="34" charset="0"/>
                 <a:ea typeface="Calibri" panose="020F0502020204030204" pitchFamily="34" charset="0"/>
@@ -19330,7 +20169,7 @@
               <a:t>/run/</a:t>
             </a:r>
             <a:r>
-              <a:rPr lang="es-ES" sz="2400" err="1">
+              <a:rPr lang="es-ES" sz="2400" dirty="0" err="1">
                 <a:effectLst/>
                 <a:latin typeface="Calibri" panose="020F0502020204030204" pitchFamily="34" charset="0"/>
                 <a:ea typeface="Calibri" panose="020F0502020204030204" pitchFamily="34" charset="0"/>
@@ -19339,7 +20178,7 @@
               <a:t>docker.sock</a:t>
             </a:r>
             <a:r>
-              <a:rPr lang="es-ES" sz="2400">
+              <a:rPr lang="es-ES" sz="2400" dirty="0">
                 <a:effectLst/>
                 <a:latin typeface="Calibri" panose="020F0502020204030204" pitchFamily="34" charset="0"/>
                 <a:cs typeface="Calibri" panose="020F0502020204030204" pitchFamily="34" charset="0"/>
@@ -19347,7 +20186,7 @@
               <a:t> </a:t>
             </a:r>
             <a:r>
-              <a:rPr lang="es-ES" sz="2400" err="1">
+              <a:rPr lang="es-ES" sz="2400" dirty="0" err="1">
                 <a:effectLst/>
                 <a:latin typeface="Calibri" panose="020F0502020204030204" pitchFamily="34" charset="0"/>
                 <a:cs typeface="Calibri" panose="020F0502020204030204" pitchFamily="34" charset="0"/>
@@ -19355,7 +20194,7 @@
               <a:t>portainer</a:t>
             </a:r>
             <a:r>
-              <a:rPr lang="es-ES" sz="2400">
+              <a:rPr lang="es-ES" sz="2400" dirty="0">
                 <a:effectLst/>
                 <a:latin typeface="Calibri" panose="020F0502020204030204" pitchFamily="34" charset="0"/>
                 <a:cs typeface="Calibri" panose="020F0502020204030204" pitchFamily="34" charset="0"/>
@@ -19363,14 +20202,14 @@
               <a:t>/</a:t>
             </a:r>
             <a:r>
-              <a:rPr lang="es-ES" sz="2400" err="1">
+              <a:rPr lang="es-ES" sz="2400" dirty="0" err="1">
                 <a:effectLst/>
                 <a:latin typeface="Calibri" panose="020F0502020204030204" pitchFamily="34" charset="0"/>
                 <a:cs typeface="Calibri" panose="020F0502020204030204" pitchFamily="34" charset="0"/>
               </a:rPr>
               <a:t>portainer</a:t>
             </a:r>
-            <a:endParaRPr lang="es-ES" sz="2400"/>
+            <a:endParaRPr lang="es-ES" sz="2400" dirty="0"/>
           </a:p>
         </p:txBody>
       </p:sp>
@@ -19407,7 +20246,7 @@
               <a:buChar char="•"/>
             </a:pPr>
             <a:r>
-              <a:rPr lang="es-ES" sz="2800"/>
+              <a:rPr lang="es-ES" sz="2800" dirty="0"/>
               <a:t>Tener Docker Host en diferente máquina que Docker CLI </a:t>
             </a:r>
           </a:p>
@@ -19423,6 +20262,222 @@
   <p:clrMapOvr>
     <a:masterClrMapping/>
   </p:clrMapOvr>
+  <p:timing>
+    <p:tnLst>
+      <p:par>
+        <p:cTn id="1" dur="indefinite" restart="never" nodeType="tmRoot">
+          <p:childTnLst>
+            <p:seq concurrent="1" nextAc="seek">
+              <p:cTn id="2" dur="indefinite" nodeType="mainSeq">
+                <p:childTnLst>
+                  <p:par>
+                    <p:cTn id="3" fill="hold">
+                      <p:stCondLst>
+                        <p:cond delay="indefinite"/>
+                      </p:stCondLst>
+                      <p:childTnLst>
+                        <p:par>
+                          <p:cTn id="4" fill="hold">
+                            <p:stCondLst>
+                              <p:cond delay="0"/>
+                            </p:stCondLst>
+                            <p:childTnLst>
+                              <p:par>
+                                <p:cTn id="5" presetID="1" presetClass="entr" presetSubtype="0" fill="hold" grpId="0" nodeType="clickEffect">
+                                  <p:stCondLst>
+                                    <p:cond delay="0"/>
+                                  </p:stCondLst>
+                                  <p:childTnLst>
+                                    <p:set>
+                                      <p:cBhvr>
+                                        <p:cTn id="6" dur="1" fill="hold">
+                                          <p:stCondLst>
+                                            <p:cond delay="0"/>
+                                          </p:stCondLst>
+                                        </p:cTn>
+                                        <p:tgtEl>
+                                          <p:spTgt spid="7"/>
+                                        </p:tgtEl>
+                                        <p:attrNameLst>
+                                          <p:attrName>style.visibility</p:attrName>
+                                        </p:attrNameLst>
+                                      </p:cBhvr>
+                                      <p:to>
+                                        <p:strVal val="visible"/>
+                                      </p:to>
+                                    </p:set>
+                                  </p:childTnLst>
+                                </p:cTn>
+                              </p:par>
+                            </p:childTnLst>
+                          </p:cTn>
+                        </p:par>
+                      </p:childTnLst>
+                    </p:cTn>
+                  </p:par>
+                  <p:par>
+                    <p:cTn id="7" fill="hold">
+                      <p:stCondLst>
+                        <p:cond delay="indefinite"/>
+                      </p:stCondLst>
+                      <p:childTnLst>
+                        <p:par>
+                          <p:cTn id="8" fill="hold">
+                            <p:stCondLst>
+                              <p:cond delay="0"/>
+                            </p:stCondLst>
+                            <p:childTnLst>
+                              <p:par>
+                                <p:cTn id="9" presetID="1" presetClass="entr" presetSubtype="0" fill="hold" grpId="0" nodeType="clickEffect">
+                                  <p:stCondLst>
+                                    <p:cond delay="0"/>
+                                  </p:stCondLst>
+                                  <p:childTnLst>
+                                    <p:set>
+                                      <p:cBhvr>
+                                        <p:cTn id="10" dur="1" fill="hold">
+                                          <p:stCondLst>
+                                            <p:cond delay="0"/>
+                                          </p:stCondLst>
+                                        </p:cTn>
+                                        <p:tgtEl>
+                                          <p:spTgt spid="5"/>
+                                        </p:tgtEl>
+                                        <p:attrNameLst>
+                                          <p:attrName>style.visibility</p:attrName>
+                                        </p:attrNameLst>
+                                      </p:cBhvr>
+                                      <p:to>
+                                        <p:strVal val="visible"/>
+                                      </p:to>
+                                    </p:set>
+                                  </p:childTnLst>
+                                </p:cTn>
+                              </p:par>
+                            </p:childTnLst>
+                          </p:cTn>
+                        </p:par>
+                      </p:childTnLst>
+                    </p:cTn>
+                  </p:par>
+                  <p:par>
+                    <p:cTn id="11" fill="hold">
+                      <p:stCondLst>
+                        <p:cond delay="indefinite"/>
+                      </p:stCondLst>
+                      <p:childTnLst>
+                        <p:par>
+                          <p:cTn id="12" fill="hold">
+                            <p:stCondLst>
+                              <p:cond delay="0"/>
+                            </p:stCondLst>
+                            <p:childTnLst>
+                              <p:par>
+                                <p:cTn id="13" presetID="1" presetClass="entr" presetSubtype="0" fill="hold" grpId="0" nodeType="clickEffect">
+                                  <p:stCondLst>
+                                    <p:cond delay="0"/>
+                                  </p:stCondLst>
+                                  <p:childTnLst>
+                                    <p:set>
+                                      <p:cBhvr>
+                                        <p:cTn id="14" dur="1" fill="hold">
+                                          <p:stCondLst>
+                                            <p:cond delay="0"/>
+                                          </p:stCondLst>
+                                        </p:cTn>
+                                        <p:tgtEl>
+                                          <p:spTgt spid="8"/>
+                                        </p:tgtEl>
+                                        <p:attrNameLst>
+                                          <p:attrName>style.visibility</p:attrName>
+                                        </p:attrNameLst>
+                                      </p:cBhvr>
+                                      <p:to>
+                                        <p:strVal val="visible"/>
+                                      </p:to>
+                                    </p:set>
+                                  </p:childTnLst>
+                                </p:cTn>
+                              </p:par>
+                            </p:childTnLst>
+                          </p:cTn>
+                        </p:par>
+                      </p:childTnLst>
+                    </p:cTn>
+                  </p:par>
+                  <p:par>
+                    <p:cTn id="15" fill="hold">
+                      <p:stCondLst>
+                        <p:cond delay="indefinite"/>
+                      </p:stCondLst>
+                      <p:childTnLst>
+                        <p:par>
+                          <p:cTn id="16" fill="hold">
+                            <p:stCondLst>
+                              <p:cond delay="0"/>
+                            </p:stCondLst>
+                            <p:childTnLst>
+                              <p:par>
+                                <p:cTn id="17" presetID="1" presetClass="entr" presetSubtype="0" fill="hold" grpId="0" nodeType="clickEffect">
+                                  <p:stCondLst>
+                                    <p:cond delay="0"/>
+                                  </p:stCondLst>
+                                  <p:childTnLst>
+                                    <p:set>
+                                      <p:cBhvr>
+                                        <p:cTn id="18" dur="1" fill="hold">
+                                          <p:stCondLst>
+                                            <p:cond delay="0"/>
+                                          </p:stCondLst>
+                                        </p:cTn>
+                                        <p:tgtEl>
+                                          <p:spTgt spid="9"/>
+                                        </p:tgtEl>
+                                        <p:attrNameLst>
+                                          <p:attrName>style.visibility</p:attrName>
+                                        </p:attrNameLst>
+                                      </p:cBhvr>
+                                      <p:to>
+                                        <p:strVal val="visible"/>
+                                      </p:to>
+                                    </p:set>
+                                  </p:childTnLst>
+                                </p:cTn>
+                              </p:par>
+                            </p:childTnLst>
+                          </p:cTn>
+                        </p:par>
+                      </p:childTnLst>
+                    </p:cTn>
+                  </p:par>
+                </p:childTnLst>
+              </p:cTn>
+              <p:prevCondLst>
+                <p:cond evt="onPrev" delay="0">
+                  <p:tgtEl>
+                    <p:sldTgt/>
+                  </p:tgtEl>
+                </p:cond>
+              </p:prevCondLst>
+              <p:nextCondLst>
+                <p:cond evt="onNext" delay="0">
+                  <p:tgtEl>
+                    <p:sldTgt/>
+                  </p:tgtEl>
+                </p:cond>
+              </p:nextCondLst>
+            </p:seq>
+          </p:childTnLst>
+        </p:cTn>
+      </p:par>
+    </p:tnLst>
+    <p:bldLst>
+      <p:bldP spid="5" grpId="0"/>
+      <p:bldP spid="7" grpId="0"/>
+      <p:bldP spid="8" grpId="0"/>
+      <p:bldP spid="9" grpId="0"/>
+    </p:bldLst>
+  </p:timing>
 </p:sld>
 </file>
 
@@ -19517,7 +20572,7 @@
               <a:buChar char="•"/>
             </a:pPr>
             <a:r>
-              <a:rPr lang="es-ES" sz="2800">
+              <a:rPr lang="es-ES" sz="2800" dirty="0">
                 <a:solidFill>
                   <a:srgbClr val="0D0D0D"/>
                 </a:solidFill>
@@ -19525,6 +20580,17 @@
                 <a:cs typeface="Calibri" panose="020F0502020204030204" pitchFamily="34" charset="0"/>
               </a:rPr>
               <a:t>P</a:t>
+            </a:r>
+            <a:r>
+              <a:rPr lang="es-ES" sz="2800" b="0" i="0" dirty="0">
+                <a:solidFill>
+                  <a:srgbClr val="0D0D0D"/>
+                </a:solidFill>
+                <a:effectLst/>
+                <a:latin typeface="Calibri" panose="020F0502020204030204" pitchFamily="34" charset="0"/>
+                <a:cs typeface="Calibri" panose="020F0502020204030204" pitchFamily="34" charset="0"/>
+              </a:rPr>
+              <a:t>roporciona una plataforma para gestionar contenedores a nivel de </a:t>
             </a:r>
             <a:r>
               <a:rPr lang="es-ES" sz="2800" b="0" i="0">
@@ -19535,9 +20601,9 @@
                 <a:latin typeface="Calibri" panose="020F0502020204030204" pitchFamily="34" charset="0"/>
                 <a:cs typeface="Calibri" panose="020F0502020204030204" pitchFamily="34" charset="0"/>
               </a:rPr>
-              <a:t>roporciona una plataforma para gestionar contenedores a nivel de sistema. </a:t>
-            </a:r>
-            <a:endParaRPr lang="es-ES" sz="2800">
+              <a:t>sistema operativo. </a:t>
+            </a:r>
+            <a:endParaRPr lang="es-ES" sz="2800" dirty="0">
               <a:effectLst/>
               <a:latin typeface="Calibri" panose="020F0502020204030204" pitchFamily="34" charset="0"/>
               <a:ea typeface="Calibri" panose="020F0502020204030204" pitchFamily="34" charset="0"/>
@@ -19550,7 +20616,7 @@
               <a:buChar char="•"/>
             </a:pPr>
             <a:r>
-              <a:rPr lang="es-ES" sz="2800">
+              <a:rPr lang="es-ES" sz="2800" dirty="0">
                 <a:effectLst/>
                 <a:latin typeface="Calibri" panose="020F0502020204030204" pitchFamily="34" charset="0"/>
                 <a:ea typeface="Calibri" panose="020F0502020204030204" pitchFamily="34" charset="0"/>
@@ -19565,7 +20631,7 @@
               <a:buChar char="•"/>
             </a:pPr>
             <a:r>
-              <a:rPr lang="es-ES" sz="2800">
+              <a:rPr lang="es-ES" sz="2800" dirty="0">
                 <a:effectLst/>
                 <a:latin typeface="Calibri" panose="020F0502020204030204" pitchFamily="34" charset="0"/>
                 <a:ea typeface="Calibri" panose="020F0502020204030204" pitchFamily="34" charset="0"/>
@@ -19574,7 +20640,7 @@
               <a:t>En 2017, fue donado a la Cloud Native Computing </a:t>
             </a:r>
             <a:r>
-              <a:rPr lang="es-ES" sz="2800" err="1">
+              <a:rPr lang="es-ES" sz="2800" dirty="0" err="1">
                 <a:effectLst/>
                 <a:latin typeface="Calibri" panose="020F0502020204030204" pitchFamily="34" charset="0"/>
                 <a:ea typeface="Calibri" panose="020F0502020204030204" pitchFamily="34" charset="0"/>
@@ -19583,7 +20649,7 @@
               <a:t>Foundation</a:t>
             </a:r>
             <a:r>
-              <a:rPr lang="es-ES" sz="2800">
+              <a:rPr lang="es-ES" sz="2800" dirty="0">
                 <a:effectLst/>
                 <a:latin typeface="Calibri" panose="020F0502020204030204" pitchFamily="34" charset="0"/>
                 <a:ea typeface="Calibri" panose="020F0502020204030204" pitchFamily="34" charset="0"/>
@@ -19592,14 +20658,14 @@
               <a:t> (CNCF) y, en 2019, se convirtió en un proyecto graduado de la CNCF.</a:t>
             </a:r>
             <a:r>
-              <a:rPr lang="es-ES" sz="2800">
+              <a:rPr lang="es-ES" sz="2800" dirty="0">
                 <a:effectLst/>
                 <a:latin typeface="Calibri" panose="020F0502020204030204" pitchFamily="34" charset="0"/>
                 <a:cs typeface="Calibri" panose="020F0502020204030204" pitchFamily="34" charset="0"/>
               </a:rPr>
               <a:t> </a:t>
             </a:r>
-            <a:endParaRPr lang="es-ES" sz="2800">
+            <a:endParaRPr lang="es-ES" sz="2800" dirty="0">
               <a:latin typeface="Calibri" panose="020F0502020204030204" pitchFamily="34" charset="0"/>
               <a:cs typeface="Calibri" panose="020F0502020204030204" pitchFamily="34" charset="0"/>
             </a:endParaRPr>
@@ -19744,6 +20810,183 @@
   <p:clrMapOvr>
     <a:masterClrMapping/>
   </p:clrMapOvr>
+  <p:timing>
+    <p:tnLst>
+      <p:par>
+        <p:cTn id="1" dur="indefinite" restart="never" nodeType="tmRoot">
+          <p:childTnLst>
+            <p:seq concurrent="1" nextAc="seek">
+              <p:cTn id="2" dur="indefinite" nodeType="mainSeq">
+                <p:childTnLst>
+                  <p:par>
+                    <p:cTn id="3" fill="hold">
+                      <p:stCondLst>
+                        <p:cond delay="indefinite"/>
+                      </p:stCondLst>
+                      <p:childTnLst>
+                        <p:par>
+                          <p:cTn id="4" fill="hold">
+                            <p:stCondLst>
+                              <p:cond delay="0"/>
+                            </p:stCondLst>
+                            <p:childTnLst>
+                              <p:par>
+                                <p:cTn id="5" presetID="1" presetClass="entr" presetSubtype="0" fill="hold" nodeType="clickEffect">
+                                  <p:stCondLst>
+                                    <p:cond delay="0"/>
+                                  </p:stCondLst>
+                                  <p:childTnLst>
+                                    <p:set>
+                                      <p:cBhvr>
+                                        <p:cTn id="6" dur="1" fill="hold">
+                                          <p:stCondLst>
+                                            <p:cond delay="0"/>
+                                          </p:stCondLst>
+                                        </p:cTn>
+                                        <p:tgtEl>
+                                          <p:spTgt spid="3">
+                                            <p:txEl>
+                                              <p:pRg st="0" end="0"/>
+                                            </p:txEl>
+                                          </p:spTgt>
+                                        </p:tgtEl>
+                                        <p:attrNameLst>
+                                          <p:attrName>style.visibility</p:attrName>
+                                        </p:attrNameLst>
+                                      </p:cBhvr>
+                                      <p:to>
+                                        <p:strVal val="visible"/>
+                                      </p:to>
+                                    </p:set>
+                                  </p:childTnLst>
+                                </p:cTn>
+                              </p:par>
+                            </p:childTnLst>
+                          </p:cTn>
+                        </p:par>
+                      </p:childTnLst>
+                    </p:cTn>
+                  </p:par>
+                  <p:par>
+                    <p:cTn id="7" fill="hold">
+                      <p:stCondLst>
+                        <p:cond delay="indefinite"/>
+                      </p:stCondLst>
+                      <p:childTnLst>
+                        <p:par>
+                          <p:cTn id="8" fill="hold">
+                            <p:stCondLst>
+                              <p:cond delay="0"/>
+                            </p:stCondLst>
+                            <p:childTnLst>
+                              <p:par>
+                                <p:cTn id="9" presetID="1" presetClass="entr" presetSubtype="0" fill="hold" nodeType="clickEffect">
+                                  <p:stCondLst>
+                                    <p:cond delay="0"/>
+                                  </p:stCondLst>
+                                  <p:childTnLst>
+                                    <p:set>
+                                      <p:cBhvr>
+                                        <p:cTn id="10" dur="1" fill="hold">
+                                          <p:stCondLst>
+                                            <p:cond delay="0"/>
+                                          </p:stCondLst>
+                                        </p:cTn>
+                                        <p:tgtEl>
+                                          <p:spTgt spid="3">
+                                            <p:txEl>
+                                              <p:pRg st="1" end="1"/>
+                                            </p:txEl>
+                                          </p:spTgt>
+                                        </p:tgtEl>
+                                        <p:attrNameLst>
+                                          <p:attrName>style.visibility</p:attrName>
+                                        </p:attrNameLst>
+                                      </p:cBhvr>
+                                      <p:to>
+                                        <p:strVal val="visible"/>
+                                      </p:to>
+                                    </p:set>
+                                  </p:childTnLst>
+                                </p:cTn>
+                              </p:par>
+                            </p:childTnLst>
+                          </p:cTn>
+                        </p:par>
+                      </p:childTnLst>
+                    </p:cTn>
+                  </p:par>
+                  <p:par>
+                    <p:cTn id="11" fill="hold">
+                      <p:stCondLst>
+                        <p:cond delay="indefinite"/>
+                      </p:stCondLst>
+                      <p:childTnLst>
+                        <p:par>
+                          <p:cTn id="12" fill="hold">
+                            <p:stCondLst>
+                              <p:cond delay="0"/>
+                            </p:stCondLst>
+                            <p:childTnLst>
+                              <p:par>
+                                <p:cTn id="13" presetID="1" presetClass="entr" presetSubtype="0" fill="hold" nodeType="clickEffect">
+                                  <p:stCondLst>
+                                    <p:cond delay="0"/>
+                                  </p:stCondLst>
+                                  <p:childTnLst>
+                                    <p:set>
+                                      <p:cBhvr>
+                                        <p:cTn id="14" dur="1" fill="hold">
+                                          <p:stCondLst>
+                                            <p:cond delay="0"/>
+                                          </p:stCondLst>
+                                        </p:cTn>
+                                        <p:tgtEl>
+                                          <p:spTgt spid="3">
+                                            <p:txEl>
+                                              <p:pRg st="2" end="2"/>
+                                            </p:txEl>
+                                          </p:spTgt>
+                                        </p:tgtEl>
+                                        <p:attrNameLst>
+                                          <p:attrName>style.visibility</p:attrName>
+                                        </p:attrNameLst>
+                                      </p:cBhvr>
+                                      <p:to>
+                                        <p:strVal val="visible"/>
+                                      </p:to>
+                                    </p:set>
+                                  </p:childTnLst>
+                                </p:cTn>
+                              </p:par>
+                            </p:childTnLst>
+                          </p:cTn>
+                        </p:par>
+                      </p:childTnLst>
+                    </p:cTn>
+                  </p:par>
+                </p:childTnLst>
+              </p:cTn>
+              <p:prevCondLst>
+                <p:cond evt="onPrev" delay="0">
+                  <p:tgtEl>
+                    <p:sldTgt/>
+                  </p:tgtEl>
+                </p:cond>
+              </p:prevCondLst>
+              <p:nextCondLst>
+                <p:cond evt="onNext" delay="0">
+                  <p:tgtEl>
+                    <p:sldTgt/>
+                  </p:tgtEl>
+                </p:cond>
+              </p:nextCondLst>
+            </p:seq>
+          </p:childTnLst>
+        </p:cTn>
+      </p:par>
+    </p:tnLst>
+  </p:timing>
 </p:sld>
 </file>
 
@@ -19838,7 +21081,7 @@
               <a:buChar char="•"/>
             </a:pPr>
             <a:r>
-              <a:rPr lang="es-ES" sz="2800">
+              <a:rPr lang="es-ES" sz="2800" dirty="0">
                 <a:latin typeface="Calibri" panose="020F0502020204030204" pitchFamily="34" charset="0"/>
                 <a:ea typeface="Calibri" panose="020F0502020204030204" pitchFamily="34" charset="0"/>
                 <a:cs typeface="Calibri" panose="020F0502020204030204" pitchFamily="34" charset="0"/>
@@ -19846,7 +21089,7 @@
               <a:t>E</a:t>
             </a:r>
             <a:r>
-              <a:rPr lang="es-ES" sz="2800">
+              <a:rPr lang="es-ES" sz="2800" dirty="0">
                 <a:effectLst/>
                 <a:latin typeface="Calibri" panose="020F0502020204030204" pitchFamily="34" charset="0"/>
                 <a:ea typeface="Calibri" panose="020F0502020204030204" pitchFamily="34" charset="0"/>
@@ -19855,7 +21098,7 @@
               <a:t>ncargado de interaccionar con el </a:t>
             </a:r>
             <a:r>
-              <a:rPr lang="es-ES" sz="2800" err="1">
+              <a:rPr lang="es-ES" sz="2800" dirty="0" err="1">
                 <a:effectLst/>
                 <a:latin typeface="Calibri" panose="020F0502020204030204" pitchFamily="34" charset="0"/>
                 <a:ea typeface="Calibri" panose="020F0502020204030204" pitchFamily="34" charset="0"/>
@@ -19864,7 +21107,7 @@
               <a:t>kernel</a:t>
             </a:r>
             <a:r>
-              <a:rPr lang="es-ES" sz="2800">
+              <a:rPr lang="es-ES" sz="2800" dirty="0">
                 <a:effectLst/>
                 <a:latin typeface="Calibri" panose="020F0502020204030204" pitchFamily="34" charset="0"/>
                 <a:ea typeface="Calibri" panose="020F0502020204030204" pitchFamily="34" charset="0"/>
@@ -19873,7 +21116,7 @@
               <a:t> del host de la máquina anfitriona donde se ejecutan los contenedores. Low </a:t>
             </a:r>
             <a:r>
-              <a:rPr lang="es-ES" sz="2800" err="1">
+              <a:rPr lang="es-ES" sz="2800" dirty="0" err="1">
                 <a:effectLst/>
                 <a:latin typeface="Calibri" panose="020F0502020204030204" pitchFamily="34" charset="0"/>
                 <a:ea typeface="Calibri" panose="020F0502020204030204" pitchFamily="34" charset="0"/>
@@ -19882,7 +21125,7 @@
               <a:t>level</a:t>
             </a:r>
             <a:r>
-              <a:rPr lang="es-ES" sz="2800">
+              <a:rPr lang="es-ES" sz="2800" dirty="0">
                 <a:effectLst/>
                 <a:latin typeface="Calibri" panose="020F0502020204030204" pitchFamily="34" charset="0"/>
                 <a:ea typeface="Calibri" panose="020F0502020204030204" pitchFamily="34" charset="0"/>
@@ -19891,7 +21134,7 @@
               <a:t> </a:t>
             </a:r>
             <a:r>
-              <a:rPr lang="es-ES" sz="2800" err="1">
+              <a:rPr lang="es-ES" sz="2800" dirty="0" err="1">
                 <a:effectLst/>
                 <a:latin typeface="Calibri" panose="020F0502020204030204" pitchFamily="34" charset="0"/>
                 <a:ea typeface="Calibri" panose="020F0502020204030204" pitchFamily="34" charset="0"/>
@@ -19900,7 +21143,7 @@
               <a:t>Runtime</a:t>
             </a:r>
             <a:r>
-              <a:rPr lang="es-ES" sz="2800">
+              <a:rPr lang="es-ES" sz="2800" dirty="0">
                 <a:effectLst/>
                 <a:latin typeface="Calibri" panose="020F0502020204030204" pitchFamily="34" charset="0"/>
                 <a:ea typeface="Calibri" panose="020F0502020204030204" pitchFamily="34" charset="0"/>
@@ -19915,7 +21158,7 @@
               <a:buChar char="•"/>
             </a:pPr>
             <a:r>
-              <a:rPr lang="es-ES" sz="2800">
+              <a:rPr lang="es-ES" sz="2800" dirty="0">
                 <a:effectLst/>
                 <a:latin typeface="Calibri" panose="020F0502020204030204" pitchFamily="34" charset="0"/>
                 <a:ea typeface="Calibri" panose="020F0502020204030204" pitchFamily="34" charset="0"/>
@@ -19924,7 +21167,7 @@
               <a:t>Utiliza el componente </a:t>
             </a:r>
             <a:r>
-              <a:rPr lang="es-ES" sz="2800" err="1">
+              <a:rPr lang="es-ES" sz="2800" dirty="0" err="1">
                 <a:effectLst/>
                 <a:latin typeface="Calibri" panose="020F0502020204030204" pitchFamily="34" charset="0"/>
                 <a:ea typeface="Calibri" panose="020F0502020204030204" pitchFamily="34" charset="0"/>
@@ -19933,7 +21176,7 @@
               <a:t>libcontainer</a:t>
             </a:r>
             <a:r>
-              <a:rPr lang="es-ES" sz="2800">
+              <a:rPr lang="es-ES" sz="2800" dirty="0">
                 <a:effectLst/>
                 <a:latin typeface="Calibri" panose="020F0502020204030204" pitchFamily="34" charset="0"/>
                 <a:ea typeface="Calibri" panose="020F0502020204030204" pitchFamily="34" charset="0"/>
@@ -19948,7 +21191,7 @@
               <a:buChar char="•"/>
             </a:pPr>
             <a:r>
-              <a:rPr lang="es-ES" sz="2800">
+              <a:rPr lang="es-ES" sz="2800" dirty="0">
                 <a:effectLst/>
                 <a:latin typeface="Calibri" panose="020F0502020204030204" pitchFamily="34" charset="0"/>
                 <a:ea typeface="Calibri" panose="020F0502020204030204" pitchFamily="34" charset="0"/>
@@ -19957,7 +21200,7 @@
               <a:t>Se trata de una implementación de código abierto de la especificación OCI </a:t>
             </a:r>
             <a:r>
-              <a:rPr lang="es-ES" sz="2800" err="1">
+              <a:rPr lang="es-ES" sz="2800" dirty="0" err="1">
                 <a:effectLst/>
                 <a:latin typeface="Calibri" panose="020F0502020204030204" pitchFamily="34" charset="0"/>
                 <a:ea typeface="Calibri" panose="020F0502020204030204" pitchFamily="34" charset="0"/>
@@ -19966,7 +21209,7 @@
               <a:t>Runtime</a:t>
             </a:r>
             <a:r>
-              <a:rPr lang="es-ES" sz="2800">
+              <a:rPr lang="es-ES" sz="2800" dirty="0">
                 <a:effectLst/>
                 <a:latin typeface="Calibri" panose="020F0502020204030204" pitchFamily="34" charset="0"/>
                 <a:ea typeface="Calibri" panose="020F0502020204030204" pitchFamily="34" charset="0"/>
@@ -19975,7 +21218,7 @@
               <a:t> </a:t>
             </a:r>
             <a:r>
-              <a:rPr lang="es-ES" sz="2800" err="1">
+              <a:rPr lang="es-ES" sz="2800" dirty="0" err="1">
                 <a:effectLst/>
                 <a:latin typeface="Calibri" panose="020F0502020204030204" pitchFamily="34" charset="0"/>
                 <a:ea typeface="Calibri" panose="020F0502020204030204" pitchFamily="34" charset="0"/>
@@ -19984,7 +21227,7 @@
               <a:t>Specification</a:t>
             </a:r>
             <a:r>
-              <a:rPr lang="es-ES" sz="2800">
+              <a:rPr lang="es-ES" sz="2800" dirty="0">
                 <a:effectLst/>
                 <a:latin typeface="Calibri" panose="020F0502020204030204" pitchFamily="34" charset="0"/>
                 <a:ea typeface="Calibri" panose="020F0502020204030204" pitchFamily="34" charset="0"/>
@@ -20133,6 +21376,183 @@
   <p:clrMapOvr>
     <a:masterClrMapping/>
   </p:clrMapOvr>
+  <p:timing>
+    <p:tnLst>
+      <p:par>
+        <p:cTn id="1" dur="indefinite" restart="never" nodeType="tmRoot">
+          <p:childTnLst>
+            <p:seq concurrent="1" nextAc="seek">
+              <p:cTn id="2" dur="indefinite" nodeType="mainSeq">
+                <p:childTnLst>
+                  <p:par>
+                    <p:cTn id="3" fill="hold">
+                      <p:stCondLst>
+                        <p:cond delay="indefinite"/>
+                      </p:stCondLst>
+                      <p:childTnLst>
+                        <p:par>
+                          <p:cTn id="4" fill="hold">
+                            <p:stCondLst>
+                              <p:cond delay="0"/>
+                            </p:stCondLst>
+                            <p:childTnLst>
+                              <p:par>
+                                <p:cTn id="5" presetID="1" presetClass="entr" presetSubtype="0" fill="hold" nodeType="clickEffect">
+                                  <p:stCondLst>
+                                    <p:cond delay="0"/>
+                                  </p:stCondLst>
+                                  <p:childTnLst>
+                                    <p:set>
+                                      <p:cBhvr>
+                                        <p:cTn id="6" dur="1" fill="hold">
+                                          <p:stCondLst>
+                                            <p:cond delay="0"/>
+                                          </p:stCondLst>
+                                        </p:cTn>
+                                        <p:tgtEl>
+                                          <p:spTgt spid="3">
+                                            <p:txEl>
+                                              <p:pRg st="0" end="0"/>
+                                            </p:txEl>
+                                          </p:spTgt>
+                                        </p:tgtEl>
+                                        <p:attrNameLst>
+                                          <p:attrName>style.visibility</p:attrName>
+                                        </p:attrNameLst>
+                                      </p:cBhvr>
+                                      <p:to>
+                                        <p:strVal val="visible"/>
+                                      </p:to>
+                                    </p:set>
+                                  </p:childTnLst>
+                                </p:cTn>
+                              </p:par>
+                            </p:childTnLst>
+                          </p:cTn>
+                        </p:par>
+                      </p:childTnLst>
+                    </p:cTn>
+                  </p:par>
+                  <p:par>
+                    <p:cTn id="7" fill="hold">
+                      <p:stCondLst>
+                        <p:cond delay="indefinite"/>
+                      </p:stCondLst>
+                      <p:childTnLst>
+                        <p:par>
+                          <p:cTn id="8" fill="hold">
+                            <p:stCondLst>
+                              <p:cond delay="0"/>
+                            </p:stCondLst>
+                            <p:childTnLst>
+                              <p:par>
+                                <p:cTn id="9" presetID="1" presetClass="entr" presetSubtype="0" fill="hold" nodeType="clickEffect">
+                                  <p:stCondLst>
+                                    <p:cond delay="0"/>
+                                  </p:stCondLst>
+                                  <p:childTnLst>
+                                    <p:set>
+                                      <p:cBhvr>
+                                        <p:cTn id="10" dur="1" fill="hold">
+                                          <p:stCondLst>
+                                            <p:cond delay="0"/>
+                                          </p:stCondLst>
+                                        </p:cTn>
+                                        <p:tgtEl>
+                                          <p:spTgt spid="3">
+                                            <p:txEl>
+                                              <p:pRg st="1" end="1"/>
+                                            </p:txEl>
+                                          </p:spTgt>
+                                        </p:tgtEl>
+                                        <p:attrNameLst>
+                                          <p:attrName>style.visibility</p:attrName>
+                                        </p:attrNameLst>
+                                      </p:cBhvr>
+                                      <p:to>
+                                        <p:strVal val="visible"/>
+                                      </p:to>
+                                    </p:set>
+                                  </p:childTnLst>
+                                </p:cTn>
+                              </p:par>
+                            </p:childTnLst>
+                          </p:cTn>
+                        </p:par>
+                      </p:childTnLst>
+                    </p:cTn>
+                  </p:par>
+                  <p:par>
+                    <p:cTn id="11" fill="hold">
+                      <p:stCondLst>
+                        <p:cond delay="indefinite"/>
+                      </p:stCondLst>
+                      <p:childTnLst>
+                        <p:par>
+                          <p:cTn id="12" fill="hold">
+                            <p:stCondLst>
+                              <p:cond delay="0"/>
+                            </p:stCondLst>
+                            <p:childTnLst>
+                              <p:par>
+                                <p:cTn id="13" presetID="1" presetClass="entr" presetSubtype="0" fill="hold" nodeType="clickEffect">
+                                  <p:stCondLst>
+                                    <p:cond delay="0"/>
+                                  </p:stCondLst>
+                                  <p:childTnLst>
+                                    <p:set>
+                                      <p:cBhvr>
+                                        <p:cTn id="14" dur="1" fill="hold">
+                                          <p:stCondLst>
+                                            <p:cond delay="0"/>
+                                          </p:stCondLst>
+                                        </p:cTn>
+                                        <p:tgtEl>
+                                          <p:spTgt spid="3">
+                                            <p:txEl>
+                                              <p:pRg st="2" end="2"/>
+                                            </p:txEl>
+                                          </p:spTgt>
+                                        </p:tgtEl>
+                                        <p:attrNameLst>
+                                          <p:attrName>style.visibility</p:attrName>
+                                        </p:attrNameLst>
+                                      </p:cBhvr>
+                                      <p:to>
+                                        <p:strVal val="visible"/>
+                                      </p:to>
+                                    </p:set>
+                                  </p:childTnLst>
+                                </p:cTn>
+                              </p:par>
+                            </p:childTnLst>
+                          </p:cTn>
+                        </p:par>
+                      </p:childTnLst>
+                    </p:cTn>
+                  </p:par>
+                </p:childTnLst>
+              </p:cTn>
+              <p:prevCondLst>
+                <p:cond evt="onPrev" delay="0">
+                  <p:tgtEl>
+                    <p:sldTgt/>
+                  </p:tgtEl>
+                </p:cond>
+              </p:prevCondLst>
+              <p:nextCondLst>
+                <p:cond evt="onNext" delay="0">
+                  <p:tgtEl>
+                    <p:sldTgt/>
+                  </p:tgtEl>
+                </p:cond>
+              </p:nextCondLst>
+            </p:seq>
+          </p:childTnLst>
+        </p:cTn>
+      </p:par>
+    </p:tnLst>
+  </p:timing>
 </p:sld>
 </file>
 
